--- a/Sql.pptx
+++ b/Sql.pptx
@@ -5,24 +5,25 @@
     <p:sldMasterId id="2147483648" r:id="rId1"/>
   </p:sldMasterIdLst>
   <p:notesMasterIdLst>
-    <p:notesMasterId r:id="rId14"/>
+    <p:notesMasterId r:id="rId15"/>
   </p:notesMasterIdLst>
   <p:handoutMasterIdLst>
-    <p:handoutMasterId r:id="rId15"/>
+    <p:handoutMasterId r:id="rId16"/>
   </p:handoutMasterIdLst>
   <p:sldIdLst>
     <p:sldId id="280" r:id="rId2"/>
     <p:sldId id="279" r:id="rId3"/>
-    <p:sldId id="265" r:id="rId4"/>
-    <p:sldId id="266" r:id="rId5"/>
-    <p:sldId id="276" r:id="rId6"/>
-    <p:sldId id="271" r:id="rId7"/>
-    <p:sldId id="272" r:id="rId8"/>
-    <p:sldId id="273" r:id="rId9"/>
-    <p:sldId id="275" r:id="rId10"/>
-    <p:sldId id="277" r:id="rId11"/>
-    <p:sldId id="278" r:id="rId12"/>
-    <p:sldId id="274" r:id="rId13"/>
+    <p:sldId id="281" r:id="rId4"/>
+    <p:sldId id="265" r:id="rId5"/>
+    <p:sldId id="266" r:id="rId6"/>
+    <p:sldId id="276" r:id="rId7"/>
+    <p:sldId id="271" r:id="rId8"/>
+    <p:sldId id="272" r:id="rId9"/>
+    <p:sldId id="273" r:id="rId10"/>
+    <p:sldId id="275" r:id="rId11"/>
+    <p:sldId id="277" r:id="rId12"/>
+    <p:sldId id="278" r:id="rId13"/>
+    <p:sldId id="274" r:id="rId14"/>
   </p:sldIdLst>
   <p:sldSz cx="9144000" cy="6858000" type="screen4x3"/>
   <p:notesSz cx="6888163" cy="9623425"/>
@@ -168,6 +169,51 @@
     </p:ext>
   </p:extLst>
 </p:presentation>
+</file>
+
+<file path=ppt/changesInfos/changesInfo1.xml><?xml version="1.0" encoding="utf-8"?>
+<pc:chgInfo xmlns:a="http://schemas.openxmlformats.org/drawingml/2006/main" xmlns:r="http://schemas.openxmlformats.org/officeDocument/2006/relationships" xmlns:ac="http://schemas.microsoft.com/office/drawing/2013/main/command" xmlns:pc="http://schemas.microsoft.com/office/powerpoint/2013/main/command">
+  <pc:docChgLst>
+    <pc:chgData name="Robert Pietzschmann" userId="c7f59647ab801a01" providerId="LiveId" clId="{11D734A8-EE57-46CE-B97E-4C4E3913CAA6}"/>
+    <pc:docChg chg="custSel addSld modSld">
+      <pc:chgData name="Robert Pietzschmann" userId="c7f59647ab801a01" providerId="LiveId" clId="{11D734A8-EE57-46CE-B97E-4C4E3913CAA6}" dt="2018-01-14T12:40:50.772" v="37"/>
+      <pc:docMkLst>
+        <pc:docMk/>
+      </pc:docMkLst>
+      <pc:sldChg chg="addSp delSp modSp add">
+        <pc:chgData name="Robert Pietzschmann" userId="c7f59647ab801a01" providerId="LiveId" clId="{11D734A8-EE57-46CE-B97E-4C4E3913CAA6}" dt="2018-01-14T12:40:50.772" v="37"/>
+        <pc:sldMkLst>
+          <pc:docMk/>
+          <pc:sldMk cId="2622032389" sldId="281"/>
+        </pc:sldMkLst>
+        <pc:spChg chg="del mod">
+          <ac:chgData name="Robert Pietzschmann" userId="c7f59647ab801a01" providerId="LiveId" clId="{11D734A8-EE57-46CE-B97E-4C4E3913CAA6}" dt="2018-01-14T12:40:11.826" v="28" actId="478"/>
+          <ac:spMkLst>
+            <pc:docMk/>
+            <pc:sldMk cId="2622032389" sldId="281"/>
+            <ac:spMk id="2" creationId="{B11EAB13-D323-4DCC-9DC5-94B60748B89C}"/>
+          </ac:spMkLst>
+        </pc:spChg>
+        <pc:spChg chg="mod">
+          <ac:chgData name="Robert Pietzschmann" userId="c7f59647ab801a01" providerId="LiveId" clId="{11D734A8-EE57-46CE-B97E-4C4E3913CAA6}" dt="2018-01-14T12:39:43.650" v="26" actId="20577"/>
+          <ac:spMkLst>
+            <pc:docMk/>
+            <pc:sldMk cId="2622032389" sldId="281"/>
+            <ac:spMk id="3" creationId="{95881F98-935E-448C-8488-4F235D236736}"/>
+          </ac:spMkLst>
+        </pc:spChg>
+        <pc:spChg chg="add del mod">
+          <ac:chgData name="Robert Pietzschmann" userId="c7f59647ab801a01" providerId="LiveId" clId="{11D734A8-EE57-46CE-B97E-4C4E3913CAA6}" dt="2018-01-14T12:40:50.772" v="37"/>
+          <ac:spMkLst>
+            <pc:docMk/>
+            <pc:sldMk cId="2622032389" sldId="281"/>
+            <ac:spMk id="6" creationId="{C8FD3FDB-3A35-477D-8F5C-8062031AE16A}"/>
+          </ac:spMkLst>
+        </pc:spChg>
+      </pc:sldChg>
+    </pc:docChg>
+  </pc:docChgLst>
+</pc:chgInfo>
 </file>
 
 <file path=ppt/handoutMasters/handoutMaster1.xml><?xml version="1.0" encoding="utf-8"?>
@@ -861,38 +907,37 @@
           <a:p>
             <a:pPr lvl="0"/>
             <a:r>
-              <a:rPr lang="de-DE" smtClean="0"/>
+              <a:rPr lang="de-DE"/>
               <a:t>Mastertextformat bearbeiten</a:t>
             </a:r>
           </a:p>
           <a:p>
             <a:pPr lvl="1"/>
             <a:r>
-              <a:rPr lang="de-DE" smtClean="0"/>
+              <a:rPr lang="de-DE"/>
               <a:t>Zweite Ebene</a:t>
             </a:r>
           </a:p>
           <a:p>
             <a:pPr lvl="2"/>
             <a:r>
-              <a:rPr lang="de-DE" smtClean="0"/>
+              <a:rPr lang="de-DE"/>
               <a:t>Dritte Ebene</a:t>
             </a:r>
           </a:p>
           <a:p>
             <a:pPr lvl="3"/>
             <a:r>
-              <a:rPr lang="de-DE" smtClean="0"/>
+              <a:rPr lang="de-DE"/>
               <a:t>Vierte Ebene</a:t>
             </a:r>
           </a:p>
           <a:p>
             <a:pPr lvl="4"/>
             <a:r>
-              <a:rPr lang="de-DE" smtClean="0"/>
+              <a:rPr lang="de-DE"/>
               <a:t>Fünfte Ebene</a:t>
             </a:r>
-            <a:endParaRPr lang="de-DE"/>
           </a:p>
         </p:txBody>
       </p:sp>
@@ -958,10 +1003,10 @@
           <a:p>
             <a:pPr lvl="0"/>
             <a:r>
-              <a:rPr lang="en-US" dirty="0" err="1" smtClean="0"/>
+              <a:rPr lang="en-US" dirty="0" err="1"/>
               <a:t>Titelmaster</a:t>
             </a:r>
-            <a:endParaRPr lang="en-US" dirty="0" smtClean="0"/>
+            <a:endParaRPr lang="en-US" dirty="0"/>
           </a:p>
         </p:txBody>
       </p:sp>
@@ -970,13 +1015,6 @@
   <p:clrMapOvr>
     <a:masterClrMapping/>
   </p:clrMapOvr>
-  <p:timing>
-    <p:tnLst>
-      <p:par>
-        <p:cTn id="1" dur="indefinite" restart="never" nodeType="tmRoot"/>
-      </p:par>
-    </p:tnLst>
-  </p:timing>
 </p:sldLayout>
 </file>
 
@@ -1086,10 +1124,10 @@
           <a:p>
             <a:pPr lvl="0"/>
             <a:r>
-              <a:rPr lang="en-US" dirty="0" err="1" smtClean="0"/>
+              <a:rPr lang="en-US" dirty="0" err="1"/>
               <a:t>Titelmaster</a:t>
             </a:r>
-            <a:endParaRPr lang="en-US" dirty="0" smtClean="0"/>
+            <a:endParaRPr lang="en-US" dirty="0"/>
           </a:p>
         </p:txBody>
       </p:sp>
@@ -1098,13 +1136,6 @@
   <p:clrMapOvr>
     <a:masterClrMapping/>
   </p:clrMapOvr>
-  <p:timing>
-    <p:tnLst>
-      <p:par>
-        <p:cTn id="1" dur="indefinite" restart="never" nodeType="tmRoot"/>
-      </p:par>
-    </p:tnLst>
-  </p:timing>
 </p:sldLayout>
 </file>
 
@@ -1210,10 +1241,9 @@
           <a:p>
             <a:pPr algn="l"/>
             <a:r>
-              <a:rPr lang="de-DE" sz="800" dirty="0" smtClean="0"/>
+              <a:rPr lang="de-DE" sz="800" dirty="0"/>
               <a:t>Titel der Präsentation</a:t>
             </a:r>
-            <a:endParaRPr lang="de-DE" sz="800" dirty="0"/>
           </a:p>
         </p:txBody>
       </p:sp>
@@ -1405,10 +1435,9 @@
           <a:p>
             <a:pPr algn="l"/>
             <a:r>
-              <a:rPr lang="de-DE" sz="800" dirty="0" smtClean="0"/>
+              <a:rPr lang="de-DE" sz="800" dirty="0"/>
               <a:t>30.11.2011</a:t>
             </a:r>
-            <a:endParaRPr lang="de-DE" sz="800" dirty="0"/>
           </a:p>
         </p:txBody>
       </p:sp>
@@ -1503,7 +1532,7 @@
           <a:p>
             <a:pPr algn="l"/>
             <a:r>
-              <a:rPr lang="de-DE" sz="800" dirty="0" smtClean="0"/>
+              <a:rPr lang="de-DE" sz="800" dirty="0"/>
               <a:t>Seite </a:t>
             </a:r>
             <a:fld id="{4C790DD4-CCC4-1747-B78A-F5A5F626767F}" type="slidenum">
@@ -1522,13 +1551,6 @@
     <p:sldLayoutId id="2147483649" r:id="rId1"/>
     <p:sldLayoutId id="2147483650" r:id="rId2"/>
   </p:sldLayoutIdLst>
-  <p:timing>
-    <p:tnLst>
-      <p:par>
-        <p:cTn id="1" dur="indefinite" restart="never" nodeType="tmRoot"/>
-      </p:par>
-    </p:tnLst>
-  </p:timing>
   <p:hf hdr="0" ftr="0" dt="0"/>
   <p:txStyles>
     <p:titleStyle>
@@ -1943,33 +1965,22 @@
               <a:rPr lang="de-DE" dirty="0">
                 <a:hlinkClick r:id="rId2"/>
               </a:rPr>
-              <a:t>https://</a:t>
-            </a:r>
-            <a:r>
-              <a:rPr lang="de-DE" dirty="0" smtClean="0">
-                <a:hlinkClick r:id="rId2"/>
-              </a:rPr>
-              <a:t>docs.microsoft.com/de-de/sql/relational-databases/in-memory-oltp/unsupported-sql-server-features-for-in-memory-oltp</a:t>
-            </a:r>
-            <a:endParaRPr lang="de-DE" dirty="0" smtClean="0"/>
-          </a:p>
-          <a:p>
+              <a:t>https://docs.microsoft.com/de-de/sql/relational-databases/in-memory-oltp/unsupported-sql-server-features-for-in-memory-oltp</a:t>
+            </a:r>
             <a:endParaRPr lang="de-DE" dirty="0"/>
           </a:p>
           <a:p>
+            <a:endParaRPr lang="de-DE" dirty="0"/>
+          </a:p>
+          <a:p>
             <a:r>
               <a:rPr lang="de-DE" dirty="0"/>
-              <a:t>Datenkomprimierung bei speicheroptimierten </a:t>
-            </a:r>
-            <a:r>
-              <a:rPr lang="de-DE" dirty="0" smtClean="0"/>
-              <a:t>Tabellen wird </a:t>
-            </a:r>
-            <a:r>
-              <a:rPr lang="de-DE" smtClean="0"/>
+              <a:t>Datenkomprimierung bei speicheroptimierten Tabellen wird </a:t>
+            </a:r>
+            <a:r>
+              <a:rPr lang="de-DE"/>
               <a:t>nicht unterstützt</a:t>
             </a:r>
-            <a:endParaRPr lang="de-DE"/>
           </a:p>
         </p:txBody>
       </p:sp>
@@ -2006,6 +2017,130 @@
 </file>
 
 <file path=ppt/slides/slide10.xml><?xml version="1.0" encoding="utf-8"?>
+<p:sld xmlns:a="http://schemas.openxmlformats.org/drawingml/2006/main" xmlns:r="http://schemas.openxmlformats.org/officeDocument/2006/relationships" xmlns:p="http://schemas.openxmlformats.org/presentationml/2006/main">
+  <p:cSld>
+    <p:spTree>
+      <p:nvGrpSpPr>
+        <p:cNvPr id="1" name=""/>
+        <p:cNvGrpSpPr/>
+        <p:nvPr/>
+      </p:nvGrpSpPr>
+      <p:grpSpPr>
+        <a:xfrm>
+          <a:off x="0" y="0"/>
+          <a:ext cx="0" cy="0"/>
+          <a:chOff x="0" y="0"/>
+          <a:chExt cx="0" cy="0"/>
+        </a:xfrm>
+      </p:grpSpPr>
+      <p:sp>
+        <p:nvSpPr>
+          <p:cNvPr id="3" name="Titel 2"/>
+          <p:cNvSpPr>
+            <a:spLocks noGrp="1"/>
+          </p:cNvSpPr>
+          <p:nvPr>
+            <p:ph type="title"/>
+          </p:nvPr>
+        </p:nvSpPr>
+        <p:spPr/>
+        <p:txBody>
+          <a:bodyPr/>
+          <a:lstStyle/>
+          <a:p>
+            <a:r>
+              <a:rPr lang="de-DE" dirty="0" err="1"/>
+              <a:t>Ms</a:t>
+            </a:r>
+            <a:r>
+              <a:rPr lang="de-DE" dirty="0"/>
+              <a:t> </a:t>
+            </a:r>
+            <a:r>
+              <a:rPr lang="de-DE" dirty="0" err="1"/>
+              <a:t>Sql</a:t>
+            </a:r>
+            <a:r>
+              <a:rPr lang="de-DE" dirty="0"/>
+              <a:t> – Ergebnis</a:t>
+            </a:r>
+          </a:p>
+        </p:txBody>
+      </p:sp>
+      <p:pic>
+        <p:nvPicPr>
+          <p:cNvPr id="5" name="Grafik 4"/>
+          <p:cNvPicPr>
+            <a:picLocks noChangeAspect="1"/>
+          </p:cNvPicPr>
+          <p:nvPr/>
+        </p:nvPicPr>
+        <p:blipFill>
+          <a:blip r:embed="rId2">
+            <a:extLst>
+              <a:ext uri="{28A0092B-C50C-407E-A947-70E740481C1C}">
+                <a14:useLocalDpi xmlns:a14="http://schemas.microsoft.com/office/drawing/2010/main" val="0"/>
+              </a:ext>
+            </a:extLst>
+          </a:blip>
+          <a:stretch>
+            <a:fillRect/>
+          </a:stretch>
+        </p:blipFill>
+        <p:spPr>
+          <a:xfrm>
+            <a:off x="0" y="980728"/>
+            <a:ext cx="9144000" cy="3421225"/>
+          </a:xfrm>
+          <a:prstGeom prst="rect">
+            <a:avLst/>
+          </a:prstGeom>
+        </p:spPr>
+      </p:pic>
+      <p:pic>
+        <p:nvPicPr>
+          <p:cNvPr id="6" name="Grafik 5"/>
+          <p:cNvPicPr>
+            <a:picLocks noChangeAspect="1"/>
+          </p:cNvPicPr>
+          <p:nvPr/>
+        </p:nvPicPr>
+        <p:blipFill>
+          <a:blip r:embed="rId3">
+            <a:extLst>
+              <a:ext uri="{28A0092B-C50C-407E-A947-70E740481C1C}">
+                <a14:useLocalDpi xmlns:a14="http://schemas.microsoft.com/office/drawing/2010/main" val="0"/>
+              </a:ext>
+            </a:extLst>
+          </a:blip>
+          <a:stretch>
+            <a:fillRect/>
+          </a:stretch>
+        </p:blipFill>
+        <p:spPr>
+          <a:xfrm>
+            <a:off x="840798" y="4581128"/>
+            <a:ext cx="2543530" cy="1771897"/>
+          </a:xfrm>
+          <a:prstGeom prst="rect">
+            <a:avLst/>
+          </a:prstGeom>
+        </p:spPr>
+      </p:pic>
+    </p:spTree>
+    <p:extLst>
+      <p:ext uri="{BB962C8B-B14F-4D97-AF65-F5344CB8AC3E}">
+        <p14:creationId xmlns:p14="http://schemas.microsoft.com/office/powerpoint/2010/main" val="2764355500"/>
+      </p:ext>
+    </p:extLst>
+  </p:cSld>
+  <p:clrMapOvr>
+    <a:masterClrMapping/>
+  </p:clrMapOvr>
+</p:sld>
+</file>
+
+<file path=ppt/slides/slide11.xml><?xml version="1.0" encoding="utf-8"?>
 <p:sld xmlns:a="http://schemas.openxmlformats.org/drawingml/2006/main" xmlns:r="http://schemas.openxmlformats.org/officeDocument/2006/relationships" xmlns:p="http://schemas.openxmlformats.org/presentationml/2006/main">
   <p:cSld>
     <p:spTree>
@@ -2063,13 +2198,8 @@
             </a:r>
             <a:r>
               <a:rPr lang="de-DE" dirty="0"/>
-              <a:t> – </a:t>
-            </a:r>
-            <a:r>
-              <a:rPr lang="de-DE" dirty="0" smtClean="0"/>
-              <a:t>Export als Flatfile 1</a:t>
-            </a:r>
-            <a:endParaRPr lang="de-DE" dirty="0"/>
+              <a:t> – Export als Flatfile 1</a:t>
+            </a:r>
           </a:p>
         </p:txBody>
       </p:sp>
@@ -2146,7 +2276,7 @@
 </p:sld>
 </file>
 
-<file path=ppt/slides/slide11.xml><?xml version="1.0" encoding="utf-8"?>
+<file path=ppt/slides/slide12.xml><?xml version="1.0" encoding="utf-8"?>
 <p:sld xmlns:a="http://schemas.openxmlformats.org/drawingml/2006/main" xmlns:r="http://schemas.openxmlformats.org/officeDocument/2006/relationships" xmlns:p="http://schemas.openxmlformats.org/presentationml/2006/main">
   <p:cSld>
     <p:spTree>
@@ -2192,21 +2322,8 @@
             </a:r>
             <a:r>
               <a:rPr lang="de-DE" dirty="0"/>
-              <a:t> – Export </a:t>
-            </a:r>
-            <a:r>
-              <a:rPr lang="de-DE" dirty="0" smtClean="0"/>
-              <a:t>als </a:t>
-            </a:r>
-            <a:r>
-              <a:rPr lang="de-DE" dirty="0"/>
-              <a:t>Flatfile </a:t>
-            </a:r>
-            <a:r>
-              <a:rPr lang="de-DE" dirty="0" smtClean="0"/>
-              <a:t>2</a:t>
-            </a:r>
-            <a:endParaRPr lang="de-DE" dirty="0"/>
+              <a:t> – Export als Flatfile 2</a:t>
+            </a:r>
           </a:p>
         </p:txBody>
       </p:sp>
@@ -2253,7 +2370,7 @@
 </p:sld>
 </file>
 
-<file path=ppt/slides/slide12.xml><?xml version="1.0" encoding="utf-8"?>
+<file path=ppt/slides/slide13.xml><?xml version="1.0" encoding="utf-8"?>
 <p:sld xmlns:a="http://schemas.openxmlformats.org/drawingml/2006/main" xmlns:r="http://schemas.openxmlformats.org/officeDocument/2006/relationships" xmlns:p="http://schemas.openxmlformats.org/presentationml/2006/main">
   <p:cSld>
     <p:spTree>
@@ -2359,7 +2476,7 @@
               </a:rPr>
               <a:t>1. https://www.devart.com/dbforge/sql/data-generator/images/banner-dbforge-sql-data-generator.jpg</a:t>
             </a:r>
-            <a:endParaRPr kumimoji="0" lang="de-DE" altLang="de-DE" sz="1800" b="0" i="0" u="none" strike="noStrike" cap="none" normalizeH="0" baseline="0" dirty="0" smtClean="0">
+            <a:endParaRPr kumimoji="0" lang="de-DE" altLang="de-DE" sz="1800" b="0" i="0" u="none" strike="noStrike" cap="none" normalizeH="0" baseline="0" dirty="0">
               <a:ln>
                 <a:noFill/>
               </a:ln>
@@ -2415,10 +2532,9 @@
           <a:lstStyle/>
           <a:p>
             <a:r>
-              <a:rPr lang="de-DE" dirty="0" smtClean="0"/>
+              <a:rPr lang="de-DE" dirty="0"/>
               <a:t>ANWENDUNGSBEISPIELE</a:t>
             </a:r>
-            <a:endParaRPr lang="de-DE" dirty="0"/>
           </a:p>
         </p:txBody>
       </p:sp>
@@ -2473,7 +2589,13 @@
       </p:grpSpPr>
       <p:sp>
         <p:nvSpPr>
-          <p:cNvPr id="3" name="Titel 2"/>
+          <p:cNvPr id="3" name="Titel 2">
+            <a:extLst>
+              <a:ext uri="{FF2B5EF4-FFF2-40B4-BE49-F238E27FC236}">
+                <a16:creationId xmlns:a16="http://schemas.microsoft.com/office/drawing/2014/main" id="{95881F98-935E-448C-8488-4F235D236736}"/>
+              </a:ext>
+            </a:extLst>
+          </p:cNvPr>
           <p:cNvSpPr>
             <a:spLocks noGrp="1"/>
           </p:cNvSpPr>
@@ -2487,831 +2609,16 @@
           <a:lstStyle/>
           <a:p>
             <a:r>
-              <a:rPr lang="de-DE" dirty="0" err="1"/>
-              <a:t>Ms</a:t>
-            </a:r>
-            <a:r>
               <a:rPr lang="de-DE" dirty="0"/>
-              <a:t> </a:t>
-            </a:r>
-            <a:r>
-              <a:rPr lang="de-DE" dirty="0" err="1"/>
-              <a:t>Sql</a:t>
-            </a:r>
-            <a:r>
-              <a:rPr lang="de-DE" dirty="0"/>
-              <a:t> – Datenbank </a:t>
-            </a:r>
-            <a:r>
-              <a:rPr lang="de-DE" dirty="0" smtClean="0"/>
-              <a:t>einrichten 1</a:t>
-            </a:r>
-            <a:endParaRPr lang="de-DE" dirty="0"/>
-          </a:p>
-        </p:txBody>
-      </p:sp>
-      <p:sp>
-        <p:nvSpPr>
-          <p:cNvPr id="4" name="Rectangle 3"/>
-          <p:cNvSpPr txBox="1">
-            <a:spLocks noChangeArrowheads="1"/>
-          </p:cNvSpPr>
-          <p:nvPr/>
-        </p:nvSpPr>
-        <p:spPr bwMode="auto">
-          <a:xfrm>
-            <a:off x="441969" y="408702"/>
-            <a:ext cx="8608398" cy="5641544"/>
-          </a:xfrm>
-          <a:prstGeom prst="rect">
-            <a:avLst/>
-          </a:prstGeom>
-          <a:noFill/>
-          <a:ln>
-            <a:noFill/>
-          </a:ln>
-          <a:effectLst/>
-          <a:extLst>
-            <a:ext uri="{909E8E84-426E-40DD-AFC4-6F175D3DCCD1}">
-              <a14:hiddenFill xmlns:a14="http://schemas.microsoft.com/office/drawing/2010/main">
-                <a:solidFill>
-                  <a:schemeClr val="accent1"/>
-                </a:solidFill>
-              </a14:hiddenFill>
-            </a:ext>
-            <a:ext uri="{91240B29-F687-4F45-9708-019B960494DF}">
-              <a14:hiddenLine xmlns:a14="http://schemas.microsoft.com/office/drawing/2010/main" w="9525">
-                <a:solidFill>
-                  <a:schemeClr val="tx1"/>
-                </a:solidFill>
-                <a:miter lim="800000"/>
-                <a:headEnd/>
-                <a:tailEnd/>
-              </a14:hiddenLine>
-            </a:ext>
-            <a:ext uri="{AF507438-7753-43E0-B8FC-AC1667EBCBE1}">
-              <a14:hiddenEffects xmlns:a14="http://schemas.microsoft.com/office/drawing/2010/main">
-                <a:effectLst>
-                  <a:outerShdw dist="35921" dir="2700000" algn="ctr" rotWithShape="0">
-                    <a:schemeClr val="bg2"/>
-                  </a:outerShdw>
-                </a:effectLst>
-              </a14:hiddenEffects>
-            </a:ext>
-          </a:extLst>
-        </p:spPr>
-        <p:txBody>
-          <a:bodyPr vert="horz" wrap="square" lIns="91440" tIns="45720" rIns="91440" bIns="0" numCol="1" anchor="ctr" anchorCtr="0" compatLnSpc="1">
-            <a:prstTxWarp prst="textNoShape">
-              <a:avLst/>
-            </a:prstTxWarp>
-            <a:spAutoFit/>
-          </a:bodyPr>
-          <a:lstStyle>
-            <a:lvl1pPr marL="342900" indent="-342900" algn="l" rtl="0" eaLnBrk="0" fontAlgn="base" hangingPunct="0">
-              <a:spcBef>
-                <a:spcPct val="20000"/>
-              </a:spcBef>
-              <a:spcAft>
-                <a:spcPct val="0"/>
-              </a:spcAft>
-              <a:buChar char="•"/>
-              <a:defRPr sz="2000">
-                <a:solidFill>
-                  <a:schemeClr val="tx1"/>
-                </a:solidFill>
-                <a:latin typeface="+mn-lt"/>
-                <a:ea typeface="+mn-ea"/>
-                <a:cs typeface="+mn-cs"/>
-              </a:defRPr>
-            </a:lvl1pPr>
-            <a:lvl2pPr marL="742950" indent="-285750" algn="l" rtl="0" eaLnBrk="0" fontAlgn="base" hangingPunct="0">
-              <a:spcBef>
-                <a:spcPct val="20000"/>
-              </a:spcBef>
-              <a:spcAft>
-                <a:spcPct val="0"/>
-              </a:spcAft>
-              <a:buChar char="–"/>
-              <a:defRPr>
-                <a:solidFill>
-                  <a:schemeClr val="tx1"/>
-                </a:solidFill>
-                <a:latin typeface="+mn-lt"/>
-                <a:ea typeface="ヒラギノ角ゴ Pro W3" charset="-128"/>
-              </a:defRPr>
-            </a:lvl2pPr>
-            <a:lvl3pPr marL="1143000" indent="-228600" algn="l" rtl="0" eaLnBrk="0" fontAlgn="base" hangingPunct="0">
-              <a:spcBef>
-                <a:spcPct val="20000"/>
-              </a:spcBef>
-              <a:spcAft>
-                <a:spcPct val="0"/>
-              </a:spcAft>
-              <a:buChar char="•"/>
-              <a:defRPr sz="1600">
-                <a:solidFill>
-                  <a:schemeClr val="tx1"/>
-                </a:solidFill>
-                <a:latin typeface="+mn-lt"/>
-                <a:ea typeface="ヒラギノ角ゴ Pro W3" charset="-128"/>
-              </a:defRPr>
-            </a:lvl3pPr>
-            <a:lvl4pPr marL="1600200" indent="-228600" algn="l" rtl="0" eaLnBrk="0" fontAlgn="base" hangingPunct="0">
-              <a:spcBef>
-                <a:spcPct val="20000"/>
-              </a:spcBef>
-              <a:spcAft>
-                <a:spcPct val="0"/>
-              </a:spcAft>
-              <a:buChar char="–"/>
-              <a:defRPr sz="1400">
-                <a:solidFill>
-                  <a:schemeClr val="tx1"/>
-                </a:solidFill>
-                <a:latin typeface="+mn-lt"/>
-                <a:ea typeface="ヒラギノ角ゴ Pro W3" charset="-128"/>
-              </a:defRPr>
-            </a:lvl4pPr>
-            <a:lvl5pPr marL="2057400" indent="-228600" algn="l" rtl="0" eaLnBrk="0" fontAlgn="base" hangingPunct="0">
-              <a:spcBef>
-                <a:spcPct val="20000"/>
-              </a:spcBef>
-              <a:spcAft>
-                <a:spcPct val="0"/>
-              </a:spcAft>
-              <a:buChar char="»"/>
-              <a:defRPr sz="1400">
-                <a:solidFill>
-                  <a:schemeClr val="tx1"/>
-                </a:solidFill>
-                <a:latin typeface="+mn-lt"/>
-                <a:ea typeface="ヒラギノ角ゴ Pro W3" charset="-128"/>
-              </a:defRPr>
-            </a:lvl5pPr>
-            <a:lvl6pPr marL="2514600" indent="-228600" algn="l" rtl="0" eaLnBrk="0" fontAlgn="base" hangingPunct="0">
-              <a:spcBef>
-                <a:spcPct val="20000"/>
-              </a:spcBef>
-              <a:spcAft>
-                <a:spcPct val="0"/>
-              </a:spcAft>
-              <a:buChar char="»"/>
-              <a:defRPr sz="1400">
-                <a:solidFill>
-                  <a:schemeClr val="tx1"/>
-                </a:solidFill>
-                <a:latin typeface="+mn-lt"/>
-                <a:ea typeface="ヒラギノ角ゴ Pro W3" charset="-128"/>
-              </a:defRPr>
-            </a:lvl6pPr>
-            <a:lvl7pPr marL="2971800" indent="-228600" algn="l" rtl="0" eaLnBrk="0" fontAlgn="base" hangingPunct="0">
-              <a:spcBef>
-                <a:spcPct val="20000"/>
-              </a:spcBef>
-              <a:spcAft>
-                <a:spcPct val="0"/>
-              </a:spcAft>
-              <a:buChar char="»"/>
-              <a:defRPr sz="1400">
-                <a:solidFill>
-                  <a:schemeClr val="tx1"/>
-                </a:solidFill>
-                <a:latin typeface="+mn-lt"/>
-                <a:ea typeface="ヒラギノ角ゴ Pro W3" charset="-128"/>
-              </a:defRPr>
-            </a:lvl7pPr>
-            <a:lvl8pPr marL="3429000" indent="-228600" algn="l" rtl="0" eaLnBrk="0" fontAlgn="base" hangingPunct="0">
-              <a:spcBef>
-                <a:spcPct val="20000"/>
-              </a:spcBef>
-              <a:spcAft>
-                <a:spcPct val="0"/>
-              </a:spcAft>
-              <a:buChar char="»"/>
-              <a:defRPr sz="1400">
-                <a:solidFill>
-                  <a:schemeClr val="tx1"/>
-                </a:solidFill>
-                <a:latin typeface="+mn-lt"/>
-                <a:ea typeface="ヒラギノ角ゴ Pro W3" charset="-128"/>
-              </a:defRPr>
-            </a:lvl8pPr>
-            <a:lvl9pPr marL="3886200" indent="-228600" algn="l" rtl="0" eaLnBrk="0" fontAlgn="base" hangingPunct="0">
-              <a:spcBef>
-                <a:spcPct val="20000"/>
-              </a:spcBef>
-              <a:spcAft>
-                <a:spcPct val="0"/>
-              </a:spcAft>
-              <a:buChar char="»"/>
-              <a:defRPr sz="1400">
-                <a:solidFill>
-                  <a:schemeClr val="tx1"/>
-                </a:solidFill>
-                <a:latin typeface="+mn-lt"/>
-                <a:ea typeface="ヒラギノ角ゴ Pro W3" charset="-128"/>
-              </a:defRPr>
-            </a:lvl9pPr>
-          </a:lstStyle>
-          <a:p>
-            <a:pPr marL="0" indent="0">
-              <a:buFontTx/>
-              <a:buNone/>
-            </a:pPr>
-            <a:endParaRPr lang="de-DE" sz="1800" dirty="0" smtClean="0"/>
-          </a:p>
-          <a:p>
-            <a:pPr marL="0" indent="0">
-              <a:buNone/>
-            </a:pPr>
-            <a:r>
-              <a:rPr lang="en-US" sz="1800" dirty="0">
-                <a:solidFill>
-                  <a:srgbClr val="0000FF"/>
-                </a:solidFill>
-                <a:highlight>
-                  <a:srgbClr val="FFFFFF"/>
-                </a:highlight>
-                <a:latin typeface="Consolas" panose="020B0609020204030204" pitchFamily="49" charset="0"/>
-              </a:rPr>
-              <a:t>ALTER</a:t>
-            </a:r>
-            <a:r>
-              <a:rPr lang="en-US" sz="1800" dirty="0">
-                <a:solidFill>
-                  <a:srgbClr val="000000"/>
-                </a:solidFill>
-                <a:highlight>
-                  <a:srgbClr val="FFFFFF"/>
-                </a:highlight>
-                <a:latin typeface="Consolas" panose="020B0609020204030204" pitchFamily="49" charset="0"/>
-              </a:rPr>
-              <a:t> </a:t>
-            </a:r>
-            <a:r>
-              <a:rPr lang="en-US" sz="1800" dirty="0">
-                <a:solidFill>
-                  <a:srgbClr val="0000FF"/>
-                </a:solidFill>
-                <a:highlight>
-                  <a:srgbClr val="FFFFFF"/>
-                </a:highlight>
-                <a:latin typeface="Consolas" panose="020B0609020204030204" pitchFamily="49" charset="0"/>
-              </a:rPr>
-              <a:t>DATABASE</a:t>
-            </a:r>
-            <a:r>
-              <a:rPr lang="en-US" sz="1800" dirty="0">
-                <a:solidFill>
-                  <a:srgbClr val="000000"/>
-                </a:solidFill>
-                <a:highlight>
-                  <a:srgbClr val="FFFFFF"/>
-                </a:highlight>
-                <a:latin typeface="Consolas" panose="020B0609020204030204" pitchFamily="49" charset="0"/>
-              </a:rPr>
-              <a:t> </a:t>
-            </a:r>
-            <a:r>
-              <a:rPr lang="en-US" sz="1800" dirty="0" err="1">
-                <a:solidFill>
-                  <a:srgbClr val="000000"/>
-                </a:solidFill>
-                <a:highlight>
-                  <a:srgbClr val="FFFFFF"/>
-                </a:highlight>
-                <a:latin typeface="Consolas" panose="020B0609020204030204" pitchFamily="49" charset="0"/>
-              </a:rPr>
-              <a:t>Testdatenbank</a:t>
-            </a:r>
-            <a:r>
-              <a:rPr lang="en-US" sz="1800" dirty="0">
-                <a:solidFill>
-                  <a:srgbClr val="000000"/>
-                </a:solidFill>
-                <a:highlight>
-                  <a:srgbClr val="FFFFFF"/>
-                </a:highlight>
-                <a:latin typeface="Consolas" panose="020B0609020204030204" pitchFamily="49" charset="0"/>
-              </a:rPr>
-              <a:t> </a:t>
-            </a:r>
-            <a:r>
-              <a:rPr lang="en-US" sz="1800" dirty="0">
-                <a:solidFill>
-                  <a:srgbClr val="0000FF"/>
-                </a:solidFill>
-                <a:highlight>
-                  <a:srgbClr val="FFFFFF"/>
-                </a:highlight>
-                <a:latin typeface="Consolas" panose="020B0609020204030204" pitchFamily="49" charset="0"/>
-              </a:rPr>
-              <a:t>ADD</a:t>
-            </a:r>
-            <a:r>
-              <a:rPr lang="en-US" sz="1800" dirty="0">
-                <a:solidFill>
-                  <a:srgbClr val="000000"/>
-                </a:solidFill>
-                <a:highlight>
-                  <a:srgbClr val="FFFFFF"/>
-                </a:highlight>
-                <a:latin typeface="Consolas" panose="020B0609020204030204" pitchFamily="49" charset="0"/>
-              </a:rPr>
-              <a:t> </a:t>
-            </a:r>
-            <a:r>
-              <a:rPr lang="en-US" sz="1800" dirty="0">
-                <a:solidFill>
-                  <a:srgbClr val="0000FF"/>
-                </a:solidFill>
-                <a:highlight>
-                  <a:srgbClr val="FFFFFF"/>
-                </a:highlight>
-                <a:latin typeface="Consolas" panose="020B0609020204030204" pitchFamily="49" charset="0"/>
-              </a:rPr>
-              <a:t>FILEGROUP</a:t>
-            </a:r>
-            <a:r>
-              <a:rPr lang="en-US" sz="1800" dirty="0">
-                <a:solidFill>
-                  <a:srgbClr val="000000"/>
-                </a:solidFill>
-                <a:highlight>
-                  <a:srgbClr val="FFFFFF"/>
-                </a:highlight>
-                <a:latin typeface="Consolas" panose="020B0609020204030204" pitchFamily="49" charset="0"/>
-              </a:rPr>
-              <a:t> </a:t>
-            </a:r>
-            <a:r>
-              <a:rPr lang="en-US" sz="1800" dirty="0" err="1">
-                <a:solidFill>
-                  <a:srgbClr val="000000"/>
-                </a:solidFill>
-                <a:highlight>
-                  <a:srgbClr val="FFFFFF"/>
-                </a:highlight>
-                <a:latin typeface="Consolas" panose="020B0609020204030204" pitchFamily="49" charset="0"/>
-              </a:rPr>
-              <a:t>Testdatenbank_mod</a:t>
-            </a:r>
-            <a:r>
-              <a:rPr lang="en-US" sz="1800" dirty="0">
-                <a:solidFill>
-                  <a:srgbClr val="000000"/>
-                </a:solidFill>
-                <a:highlight>
-                  <a:srgbClr val="FFFFFF"/>
-                </a:highlight>
-                <a:latin typeface="Consolas" panose="020B0609020204030204" pitchFamily="49" charset="0"/>
-              </a:rPr>
-              <a:t> </a:t>
-            </a:r>
-            <a:r>
-              <a:rPr lang="en-US" sz="1800" dirty="0">
-                <a:solidFill>
-                  <a:srgbClr val="FF00FF"/>
-                </a:solidFill>
-                <a:highlight>
-                  <a:srgbClr val="FFFFFF"/>
-                </a:highlight>
-                <a:latin typeface="Consolas" panose="020B0609020204030204" pitchFamily="49" charset="0"/>
-              </a:rPr>
-              <a:t>CONTAINS</a:t>
-            </a:r>
-            <a:r>
-              <a:rPr lang="en-US" sz="1800" dirty="0">
-                <a:solidFill>
-                  <a:srgbClr val="000000"/>
-                </a:solidFill>
-                <a:highlight>
-                  <a:srgbClr val="FFFFFF"/>
-                </a:highlight>
-                <a:latin typeface="Consolas" panose="020B0609020204030204" pitchFamily="49" charset="0"/>
-              </a:rPr>
-              <a:t> </a:t>
-            </a:r>
-          </a:p>
-          <a:p>
-            <a:pPr marL="0" indent="0">
-              <a:buNone/>
-            </a:pPr>
-            <a:r>
-              <a:rPr lang="de-DE" sz="1800" dirty="0">
-                <a:solidFill>
-                  <a:srgbClr val="000000"/>
-                </a:solidFill>
-                <a:highlight>
-                  <a:srgbClr val="FFFFFF"/>
-                </a:highlight>
-                <a:latin typeface="Consolas" panose="020B0609020204030204" pitchFamily="49" charset="0"/>
-              </a:rPr>
-              <a:t>MEMORY_OPTIMIZED_DATA   </a:t>
-            </a:r>
-          </a:p>
-          <a:p>
-            <a:pPr marL="0" indent="0">
-              <a:buNone/>
-            </a:pPr>
-            <a:r>
-              <a:rPr lang="de-DE" sz="1800" dirty="0">
-                <a:solidFill>
-                  <a:srgbClr val="0000FF"/>
-                </a:solidFill>
-                <a:highlight>
-                  <a:srgbClr val="FFFFFF"/>
-                </a:highlight>
-                <a:latin typeface="Consolas" panose="020B0609020204030204" pitchFamily="49" charset="0"/>
-              </a:rPr>
-              <a:t>ALTER</a:t>
-            </a:r>
-            <a:r>
-              <a:rPr lang="de-DE" sz="1800" dirty="0">
-                <a:solidFill>
-                  <a:srgbClr val="000000"/>
-                </a:solidFill>
-                <a:highlight>
-                  <a:srgbClr val="FFFFFF"/>
-                </a:highlight>
-                <a:latin typeface="Consolas" panose="020B0609020204030204" pitchFamily="49" charset="0"/>
-              </a:rPr>
-              <a:t> </a:t>
-            </a:r>
-            <a:r>
-              <a:rPr lang="de-DE" sz="1800" dirty="0">
-                <a:solidFill>
-                  <a:srgbClr val="0000FF"/>
-                </a:solidFill>
-                <a:highlight>
-                  <a:srgbClr val="FFFFFF"/>
-                </a:highlight>
-                <a:latin typeface="Consolas" panose="020B0609020204030204" pitchFamily="49" charset="0"/>
-              </a:rPr>
-              <a:t>DATABASE</a:t>
-            </a:r>
-            <a:r>
-              <a:rPr lang="de-DE" sz="1800" dirty="0">
-                <a:solidFill>
-                  <a:srgbClr val="000000"/>
-                </a:solidFill>
-                <a:highlight>
-                  <a:srgbClr val="FFFFFF"/>
-                </a:highlight>
-                <a:latin typeface="Consolas" panose="020B0609020204030204" pitchFamily="49" charset="0"/>
-              </a:rPr>
-              <a:t> Testdatenbank </a:t>
-            </a:r>
-          </a:p>
-          <a:p>
-            <a:pPr marL="0" indent="0">
-              <a:buNone/>
-            </a:pPr>
-            <a:r>
-              <a:rPr lang="de-DE" sz="1800" dirty="0">
-                <a:solidFill>
-                  <a:srgbClr val="0000FF"/>
-                </a:solidFill>
-                <a:highlight>
-                  <a:srgbClr val="FFFFFF"/>
-                </a:highlight>
-                <a:latin typeface="Consolas" panose="020B0609020204030204" pitchFamily="49" charset="0"/>
-              </a:rPr>
-              <a:t>ADD</a:t>
-            </a:r>
-            <a:r>
-              <a:rPr lang="de-DE" sz="1800" dirty="0">
-                <a:solidFill>
-                  <a:srgbClr val="000000"/>
-                </a:solidFill>
-                <a:highlight>
-                  <a:srgbClr val="FFFFFF"/>
-                </a:highlight>
-                <a:latin typeface="Consolas" panose="020B0609020204030204" pitchFamily="49" charset="0"/>
-              </a:rPr>
-              <a:t> </a:t>
-            </a:r>
-            <a:r>
-              <a:rPr lang="de-DE" sz="1800" dirty="0">
-                <a:solidFill>
-                  <a:srgbClr val="0000FF"/>
-                </a:solidFill>
-                <a:highlight>
-                  <a:srgbClr val="FFFFFF"/>
-                </a:highlight>
-                <a:latin typeface="Consolas" panose="020B0609020204030204" pitchFamily="49" charset="0"/>
-              </a:rPr>
-              <a:t>FILE </a:t>
-            </a:r>
-            <a:r>
-              <a:rPr lang="de-DE" sz="1800" dirty="0">
-                <a:solidFill>
-                  <a:srgbClr val="808080"/>
-                </a:solidFill>
-                <a:highlight>
-                  <a:srgbClr val="FFFFFF"/>
-                </a:highlight>
-                <a:latin typeface="Consolas" panose="020B0609020204030204" pitchFamily="49" charset="0"/>
-              </a:rPr>
-              <a:t>(</a:t>
-            </a:r>
-            <a:r>
-              <a:rPr lang="de-DE" sz="1800" dirty="0" err="1">
-                <a:solidFill>
-                  <a:srgbClr val="0000FF"/>
-                </a:solidFill>
-                <a:highlight>
-                  <a:srgbClr val="FFFFFF"/>
-                </a:highlight>
-                <a:latin typeface="Consolas" panose="020B0609020204030204" pitchFamily="49" charset="0"/>
-              </a:rPr>
-              <a:t>name</a:t>
-            </a:r>
-            <a:r>
-              <a:rPr lang="de-DE" sz="1800" dirty="0">
-                <a:solidFill>
-                  <a:srgbClr val="808080"/>
-                </a:solidFill>
-                <a:highlight>
-                  <a:srgbClr val="FFFFFF"/>
-                </a:highlight>
-                <a:latin typeface="Consolas" panose="020B0609020204030204" pitchFamily="49" charset="0"/>
-              </a:rPr>
-              <a:t>=</a:t>
-            </a:r>
-            <a:r>
-              <a:rPr lang="de-DE" sz="1800" dirty="0">
-                <a:solidFill>
-                  <a:srgbClr val="FF0000"/>
-                </a:solidFill>
-                <a:highlight>
-                  <a:srgbClr val="FFFFFF"/>
-                </a:highlight>
-                <a:latin typeface="Consolas" panose="020B0609020204030204" pitchFamily="49" charset="0"/>
-              </a:rPr>
-              <a:t>' Testdatenbank_mod1'</a:t>
-            </a:r>
-            <a:r>
-              <a:rPr lang="de-DE" sz="1800" dirty="0">
-                <a:solidFill>
-                  <a:srgbClr val="808080"/>
-                </a:solidFill>
-                <a:highlight>
-                  <a:srgbClr val="FFFFFF"/>
-                </a:highlight>
-                <a:latin typeface="Consolas" panose="020B0609020204030204" pitchFamily="49" charset="0"/>
-              </a:rPr>
-              <a:t>,</a:t>
-            </a:r>
-            <a:r>
-              <a:rPr lang="de-DE" sz="1800" dirty="0">
-                <a:solidFill>
-                  <a:srgbClr val="000000"/>
-                </a:solidFill>
-                <a:highlight>
-                  <a:srgbClr val="FFFFFF"/>
-                </a:highlight>
-                <a:latin typeface="Consolas" panose="020B0609020204030204" pitchFamily="49" charset="0"/>
-              </a:rPr>
-              <a:t> </a:t>
-            </a:r>
-            <a:r>
-              <a:rPr lang="de-DE" sz="1800" dirty="0" err="1">
-                <a:solidFill>
-                  <a:srgbClr val="0000FF"/>
-                </a:solidFill>
-                <a:highlight>
-                  <a:srgbClr val="FFFFFF"/>
-                </a:highlight>
-                <a:latin typeface="Consolas" panose="020B0609020204030204" pitchFamily="49" charset="0"/>
-              </a:rPr>
-              <a:t>filename</a:t>
-            </a:r>
-            <a:r>
-              <a:rPr lang="de-DE" sz="1800" dirty="0">
-                <a:solidFill>
-                  <a:srgbClr val="808080"/>
-                </a:solidFill>
-                <a:highlight>
-                  <a:srgbClr val="FFFFFF"/>
-                </a:highlight>
-                <a:latin typeface="Consolas" panose="020B0609020204030204" pitchFamily="49" charset="0"/>
-              </a:rPr>
-              <a:t>=</a:t>
-            </a:r>
-            <a:r>
-              <a:rPr lang="de-DE" sz="1800" dirty="0">
-                <a:solidFill>
-                  <a:srgbClr val="FF0000"/>
-                </a:solidFill>
-                <a:highlight>
-                  <a:srgbClr val="FFFFFF"/>
-                </a:highlight>
-                <a:latin typeface="Consolas" panose="020B0609020204030204" pitchFamily="49" charset="0"/>
-              </a:rPr>
-              <a:t>'c:\</a:t>
-            </a:r>
-            <a:r>
-              <a:rPr lang="de-DE" sz="1800" dirty="0" err="1">
-                <a:solidFill>
-                  <a:srgbClr val="FF0000"/>
-                </a:solidFill>
-                <a:highlight>
-                  <a:srgbClr val="FFFFFF"/>
-                </a:highlight>
-                <a:latin typeface="Consolas" panose="020B0609020204030204" pitchFamily="49" charset="0"/>
-              </a:rPr>
-              <a:t>data</a:t>
-            </a:r>
-            <a:r>
-              <a:rPr lang="de-DE" sz="1800" dirty="0">
-                <a:solidFill>
-                  <a:srgbClr val="FF0000"/>
-                </a:solidFill>
-                <a:highlight>
-                  <a:srgbClr val="FFFFFF"/>
-                </a:highlight>
-                <a:latin typeface="Consolas" panose="020B0609020204030204" pitchFamily="49" charset="0"/>
-              </a:rPr>
-              <a:t>\Testdatenbank_mod1'</a:t>
-            </a:r>
-            <a:r>
-              <a:rPr lang="de-DE" sz="1800" dirty="0">
-                <a:solidFill>
-                  <a:srgbClr val="808080"/>
-                </a:solidFill>
-                <a:highlight>
-                  <a:srgbClr val="FFFFFF"/>
-                </a:highlight>
-                <a:latin typeface="Consolas" panose="020B0609020204030204" pitchFamily="49" charset="0"/>
-              </a:rPr>
-              <a:t>)</a:t>
-            </a:r>
-            <a:r>
-              <a:rPr lang="de-DE" sz="1800" dirty="0">
-                <a:solidFill>
-                  <a:srgbClr val="000000"/>
-                </a:solidFill>
-                <a:highlight>
-                  <a:srgbClr val="FFFFFF"/>
-                </a:highlight>
-                <a:latin typeface="Consolas" panose="020B0609020204030204" pitchFamily="49" charset="0"/>
-              </a:rPr>
-              <a:t> </a:t>
-            </a:r>
-          </a:p>
-          <a:p>
-            <a:pPr marL="0" indent="0">
-              <a:buNone/>
-            </a:pPr>
-            <a:r>
-              <a:rPr lang="de-DE" sz="1800" dirty="0">
-                <a:solidFill>
-                  <a:srgbClr val="0000FF"/>
-                </a:solidFill>
-                <a:highlight>
-                  <a:srgbClr val="FFFFFF"/>
-                </a:highlight>
-                <a:latin typeface="Consolas" panose="020B0609020204030204" pitchFamily="49" charset="0"/>
-              </a:rPr>
-              <a:t>TO</a:t>
-            </a:r>
-            <a:r>
-              <a:rPr lang="de-DE" sz="1800" dirty="0">
-                <a:solidFill>
-                  <a:srgbClr val="000000"/>
-                </a:solidFill>
-                <a:highlight>
-                  <a:srgbClr val="FFFFFF"/>
-                </a:highlight>
-                <a:latin typeface="Consolas" panose="020B0609020204030204" pitchFamily="49" charset="0"/>
-              </a:rPr>
-              <a:t> </a:t>
-            </a:r>
-            <a:r>
-              <a:rPr lang="de-DE" sz="1800" dirty="0">
-                <a:solidFill>
-                  <a:srgbClr val="0000FF"/>
-                </a:solidFill>
-                <a:highlight>
-                  <a:srgbClr val="FFFFFF"/>
-                </a:highlight>
-                <a:latin typeface="Consolas" panose="020B0609020204030204" pitchFamily="49" charset="0"/>
-              </a:rPr>
-              <a:t>FILEGROUP</a:t>
-            </a:r>
-            <a:r>
-              <a:rPr lang="de-DE" sz="1800" dirty="0">
-                <a:solidFill>
-                  <a:srgbClr val="000000"/>
-                </a:solidFill>
-                <a:highlight>
-                  <a:srgbClr val="FFFFFF"/>
-                </a:highlight>
-                <a:latin typeface="Consolas" panose="020B0609020204030204" pitchFamily="49" charset="0"/>
-              </a:rPr>
-              <a:t> </a:t>
-            </a:r>
-            <a:r>
-              <a:rPr lang="de-DE" sz="1800" dirty="0" err="1">
-                <a:solidFill>
-                  <a:srgbClr val="000000"/>
-                </a:solidFill>
-                <a:highlight>
-                  <a:srgbClr val="FFFFFF"/>
-                </a:highlight>
-                <a:latin typeface="Consolas" panose="020B0609020204030204" pitchFamily="49" charset="0"/>
-              </a:rPr>
-              <a:t>Testdatenbank_mod</a:t>
-            </a:r>
-            <a:r>
-              <a:rPr lang="de-DE" sz="1800" dirty="0">
-                <a:solidFill>
-                  <a:srgbClr val="000000"/>
-                </a:solidFill>
-                <a:highlight>
-                  <a:srgbClr val="FFFFFF"/>
-                </a:highlight>
-                <a:latin typeface="Consolas" panose="020B0609020204030204" pitchFamily="49" charset="0"/>
-              </a:rPr>
-              <a:t>   </a:t>
-            </a:r>
-          </a:p>
-          <a:p>
-            <a:pPr marL="0" indent="0">
-              <a:buFontTx/>
-              <a:buNone/>
-            </a:pPr>
-            <a:endParaRPr lang="de-DE" sz="1800" dirty="0" smtClean="0"/>
-          </a:p>
-          <a:p>
-            <a:r>
-              <a:rPr lang="de-DE" sz="1800" dirty="0" smtClean="0"/>
-              <a:t>Erstellt eine speicheroptimierte </a:t>
-            </a:r>
-            <a:r>
-              <a:rPr lang="de-DE" sz="1800" dirty="0"/>
-              <a:t>Dateigruppe </a:t>
-            </a:r>
-            <a:r>
-              <a:rPr lang="de-DE" sz="1800" dirty="0" smtClean="0"/>
-              <a:t>mit einem Container </a:t>
-            </a:r>
-          </a:p>
-          <a:p>
-            <a:r>
-              <a:rPr lang="de-DE" sz="1800" dirty="0" smtClean="0"/>
-              <a:t>der </a:t>
-            </a:r>
-            <a:r>
-              <a:rPr lang="de-DE" sz="1800" dirty="0"/>
-              <a:t>Container enthält Datendateien oder Änderungsdateien oder sowohl als auch</a:t>
-            </a:r>
-            <a:r>
-              <a:rPr lang="de-DE" sz="1800" dirty="0" smtClean="0"/>
-              <a:t>.</a:t>
-            </a:r>
-          </a:p>
-          <a:p>
-            <a:r>
-              <a:rPr lang="de-DE" sz="1800" dirty="0" smtClean="0"/>
-              <a:t>eine </a:t>
-            </a:r>
-            <a:r>
-              <a:rPr lang="de-DE" sz="1800" dirty="0"/>
-              <a:t>speicheroptimierte </a:t>
-            </a:r>
-            <a:r>
-              <a:rPr lang="de-DE" sz="1800" dirty="0" smtClean="0"/>
-              <a:t>Dateigruppe ist </a:t>
-            </a:r>
-            <a:r>
-              <a:rPr lang="de-DE" sz="1800" dirty="0"/>
-              <a:t>erforderlich, damit die Behandlung speicheroptimierter SCHEMA_ONLY-Tabellen für Datenbanken mit speicheroptimierten Tabellen konsistent </a:t>
-            </a:r>
-            <a:r>
-              <a:rPr lang="de-DE" sz="1800" dirty="0" smtClean="0"/>
-              <a:t>ist</a:t>
-            </a:r>
-          </a:p>
-          <a:p>
-            <a:r>
-              <a:rPr lang="de-DE" sz="1800" dirty="0" smtClean="0"/>
-              <a:t>In dieser Dateigruppe erfolgt die zwischen Speicherung der Daten aus dem Arbeitsspeicher (Backup-Lösung)</a:t>
-            </a:r>
-          </a:p>
-          <a:p>
-            <a:endParaRPr lang="de-DE" altLang="de-DE" sz="1800" kern="0" dirty="0" smtClean="0">
-              <a:latin typeface="Arial" panose="020B0604020202020204" pitchFamily="34" charset="0"/>
-            </a:endParaRPr>
+              <a:t>Aufsetzen des Servers	</a:t>
+            </a:r>
           </a:p>
         </p:txBody>
       </p:sp>
     </p:spTree>
     <p:extLst>
       <p:ext uri="{BB962C8B-B14F-4D97-AF65-F5344CB8AC3E}">
-        <p14:creationId xmlns:p14="http://schemas.microsoft.com/office/powerpoint/2010/main" val="2171290080"/>
+        <p14:creationId xmlns:p14="http://schemas.microsoft.com/office/powerpoint/2010/main" val="2622032389"/>
       </p:ext>
     </p:extLst>
   </p:cSld>
@@ -3367,13 +2674,8 @@
             </a:r>
             <a:r>
               <a:rPr lang="de-DE" dirty="0"/>
-              <a:t> – Datenbank </a:t>
-            </a:r>
-            <a:r>
-              <a:rPr lang="de-DE" dirty="0" smtClean="0"/>
-              <a:t>einrichten 2</a:t>
-            </a:r>
-            <a:endParaRPr lang="de-DE" dirty="0"/>
+              <a:t> – Datenbank einrichten 1</a:t>
+            </a:r>
           </a:p>
         </p:txBody>
       </p:sp>
@@ -3387,8 +2689,8 @@
         </p:nvSpPr>
         <p:spPr bwMode="auto">
           <a:xfrm>
-            <a:off x="432000" y="1340768"/>
-            <a:ext cx="8608398" cy="1985159"/>
+            <a:off x="441969" y="408702"/>
+            <a:ext cx="8608398" cy="5641544"/>
           </a:xfrm>
           <a:prstGeom prst="rect">
             <a:avLst/>
@@ -3583,63 +2885,17 @@
           </a:lstStyle>
           <a:p>
             <a:pPr marL="0" indent="0">
+              <a:buFontTx/>
               <a:buNone/>
             </a:pPr>
-            <a:r>
-              <a:rPr lang="de-DE" sz="1800" dirty="0">
-                <a:solidFill>
-                  <a:srgbClr val="0000FF"/>
-                </a:solidFill>
-                <a:highlight>
-                  <a:srgbClr val="FFFFFF"/>
-                </a:highlight>
-                <a:latin typeface="Consolas" panose="020B0609020204030204" pitchFamily="49" charset="0"/>
-              </a:rPr>
-              <a:t>ALTER</a:t>
-            </a:r>
-            <a:r>
-              <a:rPr lang="de-DE" sz="1800" dirty="0">
-                <a:solidFill>
-                  <a:srgbClr val="000000"/>
-                </a:solidFill>
-                <a:highlight>
-                  <a:srgbClr val="FFFFFF"/>
-                </a:highlight>
-                <a:latin typeface="Consolas" panose="020B0609020204030204" pitchFamily="49" charset="0"/>
-              </a:rPr>
-              <a:t> </a:t>
-            </a:r>
-            <a:r>
-              <a:rPr lang="de-DE" sz="1800" dirty="0">
-                <a:solidFill>
-                  <a:srgbClr val="0000FF"/>
-                </a:solidFill>
-                <a:highlight>
-                  <a:srgbClr val="FFFFFF"/>
-                </a:highlight>
-                <a:latin typeface="Consolas" panose="020B0609020204030204" pitchFamily="49" charset="0"/>
-              </a:rPr>
-              <a:t>DATABASE</a:t>
-            </a:r>
-            <a:r>
-              <a:rPr lang="de-DE" sz="1800" dirty="0">
-                <a:solidFill>
-                  <a:srgbClr val="000000"/>
-                </a:solidFill>
-                <a:highlight>
-                  <a:srgbClr val="FFFFFF"/>
-                </a:highlight>
-                <a:latin typeface="Consolas" panose="020B0609020204030204" pitchFamily="49" charset="0"/>
-              </a:rPr>
-              <a:t> Testdatenbank </a:t>
-            </a:r>
+            <a:endParaRPr lang="de-DE" sz="1800" dirty="0"/>
           </a:p>
           <a:p>
             <a:pPr marL="0" indent="0">
               <a:buNone/>
             </a:pPr>
             <a:r>
-              <a:rPr lang="de-DE" sz="1800" dirty="0">
+              <a:rPr lang="en-US" sz="1800" dirty="0">
                 <a:solidFill>
                   <a:srgbClr val="0000FF"/>
                 </a:solidFill>
@@ -3648,10 +2904,10 @@
                 </a:highlight>
                 <a:latin typeface="Consolas" panose="020B0609020204030204" pitchFamily="49" charset="0"/>
               </a:rPr>
-              <a:t>SET</a:t>
-            </a:r>
-            <a:r>
-              <a:rPr lang="de-DE" sz="1800" dirty="0">
+              <a:t>ALTER</a:t>
+            </a:r>
+            <a:r>
+              <a:rPr lang="en-US" sz="1800" dirty="0">
                 <a:solidFill>
                   <a:srgbClr val="000000"/>
                 </a:solidFill>
@@ -3660,7 +2916,262 @@
                 </a:highlight>
                 <a:latin typeface="Consolas" panose="020B0609020204030204" pitchFamily="49" charset="0"/>
               </a:rPr>
-              <a:t> MEMORY_OPTIMIZED_ELEVATE_TO_SNAPSHOT</a:t>
+              <a:t> </a:t>
+            </a:r>
+            <a:r>
+              <a:rPr lang="en-US" sz="1800" dirty="0">
+                <a:solidFill>
+                  <a:srgbClr val="0000FF"/>
+                </a:solidFill>
+                <a:highlight>
+                  <a:srgbClr val="FFFFFF"/>
+                </a:highlight>
+                <a:latin typeface="Consolas" panose="020B0609020204030204" pitchFamily="49" charset="0"/>
+              </a:rPr>
+              <a:t>DATABASE</a:t>
+            </a:r>
+            <a:r>
+              <a:rPr lang="en-US" sz="1800" dirty="0">
+                <a:solidFill>
+                  <a:srgbClr val="000000"/>
+                </a:solidFill>
+                <a:highlight>
+                  <a:srgbClr val="FFFFFF"/>
+                </a:highlight>
+                <a:latin typeface="Consolas" panose="020B0609020204030204" pitchFamily="49" charset="0"/>
+              </a:rPr>
+              <a:t> </a:t>
+            </a:r>
+            <a:r>
+              <a:rPr lang="en-US" sz="1800" dirty="0" err="1">
+                <a:solidFill>
+                  <a:srgbClr val="000000"/>
+                </a:solidFill>
+                <a:highlight>
+                  <a:srgbClr val="FFFFFF"/>
+                </a:highlight>
+                <a:latin typeface="Consolas" panose="020B0609020204030204" pitchFamily="49" charset="0"/>
+              </a:rPr>
+              <a:t>Testdatenbank</a:t>
+            </a:r>
+            <a:r>
+              <a:rPr lang="en-US" sz="1800" dirty="0">
+                <a:solidFill>
+                  <a:srgbClr val="000000"/>
+                </a:solidFill>
+                <a:highlight>
+                  <a:srgbClr val="FFFFFF"/>
+                </a:highlight>
+                <a:latin typeface="Consolas" panose="020B0609020204030204" pitchFamily="49" charset="0"/>
+              </a:rPr>
+              <a:t> </a:t>
+            </a:r>
+            <a:r>
+              <a:rPr lang="en-US" sz="1800" dirty="0">
+                <a:solidFill>
+                  <a:srgbClr val="0000FF"/>
+                </a:solidFill>
+                <a:highlight>
+                  <a:srgbClr val="FFFFFF"/>
+                </a:highlight>
+                <a:latin typeface="Consolas" panose="020B0609020204030204" pitchFamily="49" charset="0"/>
+              </a:rPr>
+              <a:t>ADD</a:t>
+            </a:r>
+            <a:r>
+              <a:rPr lang="en-US" sz="1800" dirty="0">
+                <a:solidFill>
+                  <a:srgbClr val="000000"/>
+                </a:solidFill>
+                <a:highlight>
+                  <a:srgbClr val="FFFFFF"/>
+                </a:highlight>
+                <a:latin typeface="Consolas" panose="020B0609020204030204" pitchFamily="49" charset="0"/>
+              </a:rPr>
+              <a:t> </a:t>
+            </a:r>
+            <a:r>
+              <a:rPr lang="en-US" sz="1800" dirty="0">
+                <a:solidFill>
+                  <a:srgbClr val="0000FF"/>
+                </a:solidFill>
+                <a:highlight>
+                  <a:srgbClr val="FFFFFF"/>
+                </a:highlight>
+                <a:latin typeface="Consolas" panose="020B0609020204030204" pitchFamily="49" charset="0"/>
+              </a:rPr>
+              <a:t>FILEGROUP</a:t>
+            </a:r>
+            <a:r>
+              <a:rPr lang="en-US" sz="1800" dirty="0">
+                <a:solidFill>
+                  <a:srgbClr val="000000"/>
+                </a:solidFill>
+                <a:highlight>
+                  <a:srgbClr val="FFFFFF"/>
+                </a:highlight>
+                <a:latin typeface="Consolas" panose="020B0609020204030204" pitchFamily="49" charset="0"/>
+              </a:rPr>
+              <a:t> </a:t>
+            </a:r>
+            <a:r>
+              <a:rPr lang="en-US" sz="1800" dirty="0" err="1">
+                <a:solidFill>
+                  <a:srgbClr val="000000"/>
+                </a:solidFill>
+                <a:highlight>
+                  <a:srgbClr val="FFFFFF"/>
+                </a:highlight>
+                <a:latin typeface="Consolas" panose="020B0609020204030204" pitchFamily="49" charset="0"/>
+              </a:rPr>
+              <a:t>Testdatenbank_mod</a:t>
+            </a:r>
+            <a:r>
+              <a:rPr lang="en-US" sz="1800" dirty="0">
+                <a:solidFill>
+                  <a:srgbClr val="000000"/>
+                </a:solidFill>
+                <a:highlight>
+                  <a:srgbClr val="FFFFFF"/>
+                </a:highlight>
+                <a:latin typeface="Consolas" panose="020B0609020204030204" pitchFamily="49" charset="0"/>
+              </a:rPr>
+              <a:t> </a:t>
+            </a:r>
+            <a:r>
+              <a:rPr lang="en-US" sz="1800" dirty="0">
+                <a:solidFill>
+                  <a:srgbClr val="FF00FF"/>
+                </a:solidFill>
+                <a:highlight>
+                  <a:srgbClr val="FFFFFF"/>
+                </a:highlight>
+                <a:latin typeface="Consolas" panose="020B0609020204030204" pitchFamily="49" charset="0"/>
+              </a:rPr>
+              <a:t>CONTAINS</a:t>
+            </a:r>
+            <a:r>
+              <a:rPr lang="en-US" sz="1800" dirty="0">
+                <a:solidFill>
+                  <a:srgbClr val="000000"/>
+                </a:solidFill>
+                <a:highlight>
+                  <a:srgbClr val="FFFFFF"/>
+                </a:highlight>
+                <a:latin typeface="Consolas" panose="020B0609020204030204" pitchFamily="49" charset="0"/>
+              </a:rPr>
+              <a:t> </a:t>
+            </a:r>
+          </a:p>
+          <a:p>
+            <a:pPr marL="0" indent="0">
+              <a:buNone/>
+            </a:pPr>
+            <a:r>
+              <a:rPr lang="de-DE" sz="1800" dirty="0">
+                <a:solidFill>
+                  <a:srgbClr val="000000"/>
+                </a:solidFill>
+                <a:highlight>
+                  <a:srgbClr val="FFFFFF"/>
+                </a:highlight>
+                <a:latin typeface="Consolas" panose="020B0609020204030204" pitchFamily="49" charset="0"/>
+              </a:rPr>
+              <a:t>MEMORY_OPTIMIZED_DATA   </a:t>
+            </a:r>
+          </a:p>
+          <a:p>
+            <a:pPr marL="0" indent="0">
+              <a:buNone/>
+            </a:pPr>
+            <a:r>
+              <a:rPr lang="de-DE" sz="1800" dirty="0">
+                <a:solidFill>
+                  <a:srgbClr val="0000FF"/>
+                </a:solidFill>
+                <a:highlight>
+                  <a:srgbClr val="FFFFFF"/>
+                </a:highlight>
+                <a:latin typeface="Consolas" panose="020B0609020204030204" pitchFamily="49" charset="0"/>
+              </a:rPr>
+              <a:t>ALTER</a:t>
+            </a:r>
+            <a:r>
+              <a:rPr lang="de-DE" sz="1800" dirty="0">
+                <a:solidFill>
+                  <a:srgbClr val="000000"/>
+                </a:solidFill>
+                <a:highlight>
+                  <a:srgbClr val="FFFFFF"/>
+                </a:highlight>
+                <a:latin typeface="Consolas" panose="020B0609020204030204" pitchFamily="49" charset="0"/>
+              </a:rPr>
+              <a:t> </a:t>
+            </a:r>
+            <a:r>
+              <a:rPr lang="de-DE" sz="1800" dirty="0">
+                <a:solidFill>
+                  <a:srgbClr val="0000FF"/>
+                </a:solidFill>
+                <a:highlight>
+                  <a:srgbClr val="FFFFFF"/>
+                </a:highlight>
+                <a:latin typeface="Consolas" panose="020B0609020204030204" pitchFamily="49" charset="0"/>
+              </a:rPr>
+              <a:t>DATABASE</a:t>
+            </a:r>
+            <a:r>
+              <a:rPr lang="de-DE" sz="1800" dirty="0">
+                <a:solidFill>
+                  <a:srgbClr val="000000"/>
+                </a:solidFill>
+                <a:highlight>
+                  <a:srgbClr val="FFFFFF"/>
+                </a:highlight>
+                <a:latin typeface="Consolas" panose="020B0609020204030204" pitchFamily="49" charset="0"/>
+              </a:rPr>
+              <a:t> Testdatenbank </a:t>
+            </a:r>
+          </a:p>
+          <a:p>
+            <a:pPr marL="0" indent="0">
+              <a:buNone/>
+            </a:pPr>
+            <a:r>
+              <a:rPr lang="de-DE" sz="1800" dirty="0">
+                <a:solidFill>
+                  <a:srgbClr val="0000FF"/>
+                </a:solidFill>
+                <a:highlight>
+                  <a:srgbClr val="FFFFFF"/>
+                </a:highlight>
+                <a:latin typeface="Consolas" panose="020B0609020204030204" pitchFamily="49" charset="0"/>
+              </a:rPr>
+              <a:t>ADD</a:t>
+            </a:r>
+            <a:r>
+              <a:rPr lang="de-DE" sz="1800" dirty="0">
+                <a:solidFill>
+                  <a:srgbClr val="000000"/>
+                </a:solidFill>
+                <a:highlight>
+                  <a:srgbClr val="FFFFFF"/>
+                </a:highlight>
+                <a:latin typeface="Consolas" panose="020B0609020204030204" pitchFamily="49" charset="0"/>
+              </a:rPr>
+              <a:t> </a:t>
+            </a:r>
+            <a:r>
+              <a:rPr lang="de-DE" sz="1800" dirty="0">
+                <a:solidFill>
+                  <a:srgbClr val="0000FF"/>
+                </a:solidFill>
+                <a:highlight>
+                  <a:srgbClr val="FFFFFF"/>
+                </a:highlight>
+                <a:latin typeface="Consolas" panose="020B0609020204030204" pitchFamily="49" charset="0"/>
+              </a:rPr>
+              <a:t>FILE </a:t>
             </a:r>
             <a:r>
               <a:rPr lang="de-DE" sz="1800" dirty="0">
@@ -3672,11 +3183,71 @@
                 </a:highlight>
                 <a:latin typeface="Consolas" panose="020B0609020204030204" pitchFamily="49" charset="0"/>
               </a:rPr>
+              <a:t>(</a:t>
+            </a:r>
+            <a:r>
+              <a:rPr lang="de-DE" sz="1800" dirty="0" err="1">
+                <a:solidFill>
+                  <a:srgbClr val="0000FF"/>
+                </a:solidFill>
+                <a:highlight>
+                  <a:srgbClr val="FFFFFF"/>
+                </a:highlight>
+                <a:latin typeface="Consolas" panose="020B0609020204030204" pitchFamily="49" charset="0"/>
+              </a:rPr>
+              <a:t>name</a:t>
+            </a:r>
+            <a:r>
+              <a:rPr lang="de-DE" sz="1800" dirty="0">
+                <a:solidFill>
+                  <a:srgbClr val="808080"/>
+                </a:solidFill>
+                <a:highlight>
+                  <a:srgbClr val="FFFFFF"/>
+                </a:highlight>
+                <a:latin typeface="Consolas" panose="020B0609020204030204" pitchFamily="49" charset="0"/>
+              </a:rPr>
               <a:t>=</a:t>
             </a:r>
             <a:r>
               <a:rPr lang="de-DE" sz="1800" dirty="0">
                 <a:solidFill>
+                  <a:srgbClr val="FF0000"/>
+                </a:solidFill>
+                <a:highlight>
+                  <a:srgbClr val="FFFFFF"/>
+                </a:highlight>
+                <a:latin typeface="Consolas" panose="020B0609020204030204" pitchFamily="49" charset="0"/>
+              </a:rPr>
+              <a:t>' Testdatenbank_mod1'</a:t>
+            </a:r>
+            <a:r>
+              <a:rPr lang="de-DE" sz="1800" dirty="0">
+                <a:solidFill>
+                  <a:srgbClr val="808080"/>
+                </a:solidFill>
+                <a:highlight>
+                  <a:srgbClr val="FFFFFF"/>
+                </a:highlight>
+                <a:latin typeface="Consolas" panose="020B0609020204030204" pitchFamily="49" charset="0"/>
+              </a:rPr>
+              <a:t>,</a:t>
+            </a:r>
+            <a:r>
+              <a:rPr lang="de-DE" sz="1800" dirty="0">
+                <a:solidFill>
+                  <a:srgbClr val="000000"/>
+                </a:solidFill>
+                <a:highlight>
+                  <a:srgbClr val="FFFFFF"/>
+                </a:highlight>
+                <a:latin typeface="Consolas" panose="020B0609020204030204" pitchFamily="49" charset="0"/>
+              </a:rPr>
+              <a:t> </a:t>
+            </a:r>
+            <a:r>
+              <a:rPr lang="de-DE" sz="1800" dirty="0" err="1">
+                <a:solidFill>
                   <a:srgbClr val="0000FF"/>
                 </a:solidFill>
                 <a:highlight>
@@ -3684,7 +3255,67 @@
                 </a:highlight>
                 <a:latin typeface="Consolas" panose="020B0609020204030204" pitchFamily="49" charset="0"/>
               </a:rPr>
-              <a:t>ON</a:t>
+              <a:t>filename</a:t>
+            </a:r>
+            <a:r>
+              <a:rPr lang="de-DE" sz="1800" dirty="0">
+                <a:solidFill>
+                  <a:srgbClr val="808080"/>
+                </a:solidFill>
+                <a:highlight>
+                  <a:srgbClr val="FFFFFF"/>
+                </a:highlight>
+                <a:latin typeface="Consolas" panose="020B0609020204030204" pitchFamily="49" charset="0"/>
+              </a:rPr>
+              <a:t>=</a:t>
+            </a:r>
+            <a:r>
+              <a:rPr lang="de-DE" sz="1800" dirty="0">
+                <a:solidFill>
+                  <a:srgbClr val="FF0000"/>
+                </a:solidFill>
+                <a:highlight>
+                  <a:srgbClr val="FFFFFF"/>
+                </a:highlight>
+                <a:latin typeface="Consolas" panose="020B0609020204030204" pitchFamily="49" charset="0"/>
+              </a:rPr>
+              <a:t>'c:\</a:t>
+            </a:r>
+            <a:r>
+              <a:rPr lang="de-DE" sz="1800" dirty="0" err="1">
+                <a:solidFill>
+                  <a:srgbClr val="FF0000"/>
+                </a:solidFill>
+                <a:highlight>
+                  <a:srgbClr val="FFFFFF"/>
+                </a:highlight>
+                <a:latin typeface="Consolas" panose="020B0609020204030204" pitchFamily="49" charset="0"/>
+              </a:rPr>
+              <a:t>data</a:t>
+            </a:r>
+            <a:r>
+              <a:rPr lang="de-DE" sz="1800" dirty="0">
+                <a:solidFill>
+                  <a:srgbClr val="FF0000"/>
+                </a:solidFill>
+                <a:highlight>
+                  <a:srgbClr val="FFFFFF"/>
+                </a:highlight>
+                <a:latin typeface="Consolas" panose="020B0609020204030204" pitchFamily="49" charset="0"/>
+              </a:rPr>
+              <a:t>\Testdatenbank_mod1'</a:t>
+            </a:r>
+            <a:r>
+              <a:rPr lang="de-DE" sz="1800" dirty="0">
+                <a:solidFill>
+                  <a:srgbClr val="808080"/>
+                </a:solidFill>
+                <a:highlight>
+                  <a:srgbClr val="FFFFFF"/>
+                </a:highlight>
+                <a:latin typeface="Consolas" panose="020B0609020204030204" pitchFamily="49" charset="0"/>
+              </a:rPr>
+              <a:t>)</a:t>
             </a:r>
             <a:r>
               <a:rPr lang="de-DE" sz="1800" dirty="0">
@@ -3696,7 +3327,84 @@
                 </a:highlight>
                 <a:latin typeface="Consolas" panose="020B0609020204030204" pitchFamily="49" charset="0"/>
               </a:rPr>
-              <a:t>  </a:t>
+              <a:t> </a:t>
+            </a:r>
+          </a:p>
+          <a:p>
+            <a:pPr marL="0" indent="0">
+              <a:buNone/>
+            </a:pPr>
+            <a:r>
+              <a:rPr lang="de-DE" sz="1800" dirty="0">
+                <a:solidFill>
+                  <a:srgbClr val="0000FF"/>
+                </a:solidFill>
+                <a:highlight>
+                  <a:srgbClr val="FFFFFF"/>
+                </a:highlight>
+                <a:latin typeface="Consolas" panose="020B0609020204030204" pitchFamily="49" charset="0"/>
+              </a:rPr>
+              <a:t>TO</a:t>
+            </a:r>
+            <a:r>
+              <a:rPr lang="de-DE" sz="1800" dirty="0">
+                <a:solidFill>
+                  <a:srgbClr val="000000"/>
+                </a:solidFill>
+                <a:highlight>
+                  <a:srgbClr val="FFFFFF"/>
+                </a:highlight>
+                <a:latin typeface="Consolas" panose="020B0609020204030204" pitchFamily="49" charset="0"/>
+              </a:rPr>
+              <a:t> </a:t>
+            </a:r>
+            <a:r>
+              <a:rPr lang="de-DE" sz="1800" dirty="0">
+                <a:solidFill>
+                  <a:srgbClr val="0000FF"/>
+                </a:solidFill>
+                <a:highlight>
+                  <a:srgbClr val="FFFFFF"/>
+                </a:highlight>
+                <a:latin typeface="Consolas" panose="020B0609020204030204" pitchFamily="49" charset="0"/>
+              </a:rPr>
+              <a:t>FILEGROUP</a:t>
+            </a:r>
+            <a:r>
+              <a:rPr lang="de-DE" sz="1800" dirty="0">
+                <a:solidFill>
+                  <a:srgbClr val="000000"/>
+                </a:solidFill>
+                <a:highlight>
+                  <a:srgbClr val="FFFFFF"/>
+                </a:highlight>
+                <a:latin typeface="Consolas" panose="020B0609020204030204" pitchFamily="49" charset="0"/>
+              </a:rPr>
+              <a:t> </a:t>
+            </a:r>
+            <a:r>
+              <a:rPr lang="de-DE" sz="1800" dirty="0" err="1">
+                <a:solidFill>
+                  <a:srgbClr val="000000"/>
+                </a:solidFill>
+                <a:highlight>
+                  <a:srgbClr val="FFFFFF"/>
+                </a:highlight>
+                <a:latin typeface="Consolas" panose="020B0609020204030204" pitchFamily="49" charset="0"/>
+              </a:rPr>
+              <a:t>Testdatenbank_mod</a:t>
+            </a:r>
+            <a:r>
+              <a:rPr lang="de-DE" sz="1800" dirty="0">
+                <a:solidFill>
+                  <a:srgbClr val="000000"/>
+                </a:solidFill>
+                <a:highlight>
+                  <a:srgbClr val="FFFFFF"/>
+                </a:highlight>
+                <a:latin typeface="Consolas" panose="020B0609020204030204" pitchFamily="49" charset="0"/>
+              </a:rPr>
+              <a:t>   </a:t>
             </a:r>
           </a:p>
           <a:p>
@@ -3704,35 +3412,34 @@
               <a:buFontTx/>
               <a:buNone/>
             </a:pPr>
-            <a:endParaRPr lang="de-DE" sz="1800" dirty="0" smtClean="0"/>
-          </a:p>
-          <a:p>
-            <a:r>
-              <a:rPr lang="de-DE" sz="1800" dirty="0" smtClean="0"/>
-              <a:t>Erstellt einen Tabellenhinweis </a:t>
-            </a:r>
+            <a:endParaRPr lang="de-DE" sz="1800" dirty="0"/>
+          </a:p>
+          <a:p>
             <a:r>
               <a:rPr lang="de-DE" sz="1800" dirty="0"/>
-              <a:t>auf die speicheroptimierte </a:t>
-            </a:r>
-            <a:r>
-              <a:rPr lang="de-DE" sz="1800" dirty="0" smtClean="0"/>
-              <a:t>Tabelle</a:t>
-            </a:r>
-          </a:p>
-          <a:p>
-            <a:r>
-              <a:rPr lang="de-DE" sz="1800" dirty="0" smtClean="0"/>
-              <a:t>Der </a:t>
-            </a:r>
+              <a:t>Erstellt eine speicheroptimierte Dateigruppe mit einem Container </a:t>
+            </a:r>
+          </a:p>
+          <a:p>
             <a:r>
               <a:rPr lang="de-DE" sz="1800" dirty="0"/>
-              <a:t>Hinweis muss für SNAPSHOT oder eine stärker isolierende Stufe erfolgen</a:t>
-            </a:r>
-            <a:endParaRPr lang="de-DE" sz="1800" dirty="0" smtClean="0"/>
-          </a:p>
-          <a:p>
-            <a:endParaRPr lang="de-DE" altLang="de-DE" sz="1800" kern="0" dirty="0" smtClean="0">
+              <a:t>der Container enthält Datendateien oder Änderungsdateien oder sowohl als auch.</a:t>
+            </a:r>
+          </a:p>
+          <a:p>
+            <a:r>
+              <a:rPr lang="de-DE" sz="1800" dirty="0"/>
+              <a:t>eine speicheroptimierte Dateigruppe ist erforderlich, damit die Behandlung speicheroptimierter SCHEMA_ONLY-Tabellen für Datenbanken mit speicheroptimierten Tabellen konsistent ist</a:t>
+            </a:r>
+          </a:p>
+          <a:p>
+            <a:r>
+              <a:rPr lang="de-DE" sz="1800" dirty="0"/>
+              <a:t>In dieser Dateigruppe erfolgt die zwischen Speicherung der Daten aus dem Arbeitsspeicher (Backup-Lösung)</a:t>
+            </a:r>
+          </a:p>
+          <a:p>
+            <a:endParaRPr lang="de-DE" altLang="de-DE" sz="1800" kern="0" dirty="0">
               <a:latin typeface="Arial" panose="020B0604020202020204" pitchFamily="34" charset="0"/>
             </a:endParaRPr>
           </a:p>
@@ -3741,7 +3448,7 @@
     </p:spTree>
     <p:extLst>
       <p:ext uri="{BB962C8B-B14F-4D97-AF65-F5344CB8AC3E}">
-        <p14:creationId xmlns:p14="http://schemas.microsoft.com/office/powerpoint/2010/main" val="395008230"/>
+        <p14:creationId xmlns:p14="http://schemas.microsoft.com/office/powerpoint/2010/main" val="2171290080"/>
       </p:ext>
     </p:extLst>
   </p:cSld>
@@ -3797,37 +3504,219 @@
             </a:r>
             <a:r>
               <a:rPr lang="de-DE" dirty="0"/>
-              <a:t> – Tabellen einrichten </a:t>
-            </a:r>
-            <a:r>
-              <a:rPr lang="de-DE" dirty="0" smtClean="0"/>
-              <a:t>1</a:t>
-            </a:r>
-            <a:endParaRPr lang="de-DE" dirty="0"/>
+              <a:t> – Datenbank einrichten 2</a:t>
+            </a:r>
           </a:p>
         </p:txBody>
       </p:sp>
       <p:sp>
         <p:nvSpPr>
-          <p:cNvPr id="4" name="Rechteck 3"/>
-          <p:cNvSpPr/>
+          <p:cNvPr id="4" name="Rectangle 3"/>
+          <p:cNvSpPr txBox="1">
+            <a:spLocks noChangeArrowheads="1"/>
+          </p:cNvSpPr>
           <p:nvPr/>
         </p:nvSpPr>
-        <p:spPr>
+        <p:spPr bwMode="auto">
           <a:xfrm>
-            <a:off x="436216" y="908720"/>
-            <a:ext cx="5359920" cy="4801314"/>
+            <a:off x="432000" y="1340768"/>
+            <a:ext cx="8608398" cy="1985159"/>
           </a:xfrm>
           <a:prstGeom prst="rect">
             <a:avLst/>
           </a:prstGeom>
+          <a:noFill/>
+          <a:ln>
+            <a:noFill/>
+          </a:ln>
+          <a:effectLst/>
+          <a:extLst>
+            <a:ext uri="{909E8E84-426E-40DD-AFC4-6F175D3DCCD1}">
+              <a14:hiddenFill xmlns:a14="http://schemas.microsoft.com/office/drawing/2010/main">
+                <a:solidFill>
+                  <a:schemeClr val="accent1"/>
+                </a:solidFill>
+              </a14:hiddenFill>
+            </a:ext>
+            <a:ext uri="{91240B29-F687-4F45-9708-019B960494DF}">
+              <a14:hiddenLine xmlns:a14="http://schemas.microsoft.com/office/drawing/2010/main" w="9525">
+                <a:solidFill>
+                  <a:schemeClr val="tx1"/>
+                </a:solidFill>
+                <a:miter lim="800000"/>
+                <a:headEnd/>
+                <a:tailEnd/>
+              </a14:hiddenLine>
+            </a:ext>
+            <a:ext uri="{AF507438-7753-43E0-B8FC-AC1667EBCBE1}">
+              <a14:hiddenEffects xmlns:a14="http://schemas.microsoft.com/office/drawing/2010/main">
+                <a:effectLst>
+                  <a:outerShdw dist="35921" dir="2700000" algn="ctr" rotWithShape="0">
+                    <a:schemeClr val="bg2"/>
+                  </a:outerShdw>
+                </a:effectLst>
+              </a14:hiddenEffects>
+            </a:ext>
+          </a:extLst>
         </p:spPr>
         <p:txBody>
-          <a:bodyPr wrap="square">
+          <a:bodyPr vert="horz" wrap="square" lIns="91440" tIns="45720" rIns="91440" bIns="0" numCol="1" anchor="ctr" anchorCtr="0" compatLnSpc="1">
+            <a:prstTxWarp prst="textNoShape">
+              <a:avLst/>
+            </a:prstTxWarp>
             <a:spAutoFit/>
           </a:bodyPr>
-          <a:lstStyle/>
-          <a:p>
+          <a:lstStyle>
+            <a:lvl1pPr marL="342900" indent="-342900" algn="l" rtl="0" eaLnBrk="0" fontAlgn="base" hangingPunct="0">
+              <a:spcBef>
+                <a:spcPct val="20000"/>
+              </a:spcBef>
+              <a:spcAft>
+                <a:spcPct val="0"/>
+              </a:spcAft>
+              <a:buChar char="•"/>
+              <a:defRPr sz="2000">
+                <a:solidFill>
+                  <a:schemeClr val="tx1"/>
+                </a:solidFill>
+                <a:latin typeface="+mn-lt"/>
+                <a:ea typeface="+mn-ea"/>
+                <a:cs typeface="+mn-cs"/>
+              </a:defRPr>
+            </a:lvl1pPr>
+            <a:lvl2pPr marL="742950" indent="-285750" algn="l" rtl="0" eaLnBrk="0" fontAlgn="base" hangingPunct="0">
+              <a:spcBef>
+                <a:spcPct val="20000"/>
+              </a:spcBef>
+              <a:spcAft>
+                <a:spcPct val="0"/>
+              </a:spcAft>
+              <a:buChar char="–"/>
+              <a:defRPr>
+                <a:solidFill>
+                  <a:schemeClr val="tx1"/>
+                </a:solidFill>
+                <a:latin typeface="+mn-lt"/>
+                <a:ea typeface="ヒラギノ角ゴ Pro W3" charset="-128"/>
+              </a:defRPr>
+            </a:lvl2pPr>
+            <a:lvl3pPr marL="1143000" indent="-228600" algn="l" rtl="0" eaLnBrk="0" fontAlgn="base" hangingPunct="0">
+              <a:spcBef>
+                <a:spcPct val="20000"/>
+              </a:spcBef>
+              <a:spcAft>
+                <a:spcPct val="0"/>
+              </a:spcAft>
+              <a:buChar char="•"/>
+              <a:defRPr sz="1600">
+                <a:solidFill>
+                  <a:schemeClr val="tx1"/>
+                </a:solidFill>
+                <a:latin typeface="+mn-lt"/>
+                <a:ea typeface="ヒラギノ角ゴ Pro W3" charset="-128"/>
+              </a:defRPr>
+            </a:lvl3pPr>
+            <a:lvl4pPr marL="1600200" indent="-228600" algn="l" rtl="0" eaLnBrk="0" fontAlgn="base" hangingPunct="0">
+              <a:spcBef>
+                <a:spcPct val="20000"/>
+              </a:spcBef>
+              <a:spcAft>
+                <a:spcPct val="0"/>
+              </a:spcAft>
+              <a:buChar char="–"/>
+              <a:defRPr sz="1400">
+                <a:solidFill>
+                  <a:schemeClr val="tx1"/>
+                </a:solidFill>
+                <a:latin typeface="+mn-lt"/>
+                <a:ea typeface="ヒラギノ角ゴ Pro W3" charset="-128"/>
+              </a:defRPr>
+            </a:lvl4pPr>
+            <a:lvl5pPr marL="2057400" indent="-228600" algn="l" rtl="0" eaLnBrk="0" fontAlgn="base" hangingPunct="0">
+              <a:spcBef>
+                <a:spcPct val="20000"/>
+              </a:spcBef>
+              <a:spcAft>
+                <a:spcPct val="0"/>
+              </a:spcAft>
+              <a:buChar char="»"/>
+              <a:defRPr sz="1400">
+                <a:solidFill>
+                  <a:schemeClr val="tx1"/>
+                </a:solidFill>
+                <a:latin typeface="+mn-lt"/>
+                <a:ea typeface="ヒラギノ角ゴ Pro W3" charset="-128"/>
+              </a:defRPr>
+            </a:lvl5pPr>
+            <a:lvl6pPr marL="2514600" indent="-228600" algn="l" rtl="0" eaLnBrk="0" fontAlgn="base" hangingPunct="0">
+              <a:spcBef>
+                <a:spcPct val="20000"/>
+              </a:spcBef>
+              <a:spcAft>
+                <a:spcPct val="0"/>
+              </a:spcAft>
+              <a:buChar char="»"/>
+              <a:defRPr sz="1400">
+                <a:solidFill>
+                  <a:schemeClr val="tx1"/>
+                </a:solidFill>
+                <a:latin typeface="+mn-lt"/>
+                <a:ea typeface="ヒラギノ角ゴ Pro W3" charset="-128"/>
+              </a:defRPr>
+            </a:lvl6pPr>
+            <a:lvl7pPr marL="2971800" indent="-228600" algn="l" rtl="0" eaLnBrk="0" fontAlgn="base" hangingPunct="0">
+              <a:spcBef>
+                <a:spcPct val="20000"/>
+              </a:spcBef>
+              <a:spcAft>
+                <a:spcPct val="0"/>
+              </a:spcAft>
+              <a:buChar char="»"/>
+              <a:defRPr sz="1400">
+                <a:solidFill>
+                  <a:schemeClr val="tx1"/>
+                </a:solidFill>
+                <a:latin typeface="+mn-lt"/>
+                <a:ea typeface="ヒラギノ角ゴ Pro W3" charset="-128"/>
+              </a:defRPr>
+            </a:lvl7pPr>
+            <a:lvl8pPr marL="3429000" indent="-228600" algn="l" rtl="0" eaLnBrk="0" fontAlgn="base" hangingPunct="0">
+              <a:spcBef>
+                <a:spcPct val="20000"/>
+              </a:spcBef>
+              <a:spcAft>
+                <a:spcPct val="0"/>
+              </a:spcAft>
+              <a:buChar char="»"/>
+              <a:defRPr sz="1400">
+                <a:solidFill>
+                  <a:schemeClr val="tx1"/>
+                </a:solidFill>
+                <a:latin typeface="+mn-lt"/>
+                <a:ea typeface="ヒラギノ角ゴ Pro W3" charset="-128"/>
+              </a:defRPr>
+            </a:lvl8pPr>
+            <a:lvl9pPr marL="3886200" indent="-228600" algn="l" rtl="0" eaLnBrk="0" fontAlgn="base" hangingPunct="0">
+              <a:spcBef>
+                <a:spcPct val="20000"/>
+              </a:spcBef>
+              <a:spcAft>
+                <a:spcPct val="0"/>
+              </a:spcAft>
+              <a:buChar char="»"/>
+              <a:defRPr sz="1400">
+                <a:solidFill>
+                  <a:schemeClr val="tx1"/>
+                </a:solidFill>
+                <a:latin typeface="+mn-lt"/>
+                <a:ea typeface="ヒラギノ角ゴ Pro W3" charset="-128"/>
+              </a:defRPr>
+            </a:lvl9pPr>
+          </a:lstStyle>
+          <a:p>
+            <a:pPr marL="0" indent="0">
+              <a:buNone/>
+            </a:pPr>
             <a:r>
               <a:rPr lang="de-DE" sz="1800" dirty="0">
                 <a:solidFill>
@@ -3838,7 +3727,7 @@
                 </a:highlight>
                 <a:latin typeface="Consolas" panose="020B0609020204030204" pitchFamily="49" charset="0"/>
               </a:rPr>
-              <a:t>CREATE</a:t>
+              <a:t>ALTER</a:t>
             </a:r>
             <a:r>
               <a:rPr lang="de-DE" sz="1800" dirty="0">
@@ -3862,7 +3751,7 @@
                 </a:highlight>
                 <a:latin typeface="Consolas" panose="020B0609020204030204" pitchFamily="49" charset="0"/>
               </a:rPr>
-              <a:t>TABLE</a:t>
+              <a:t>DATABASE</a:t>
             </a:r>
             <a:r>
               <a:rPr lang="de-DE" sz="1800" dirty="0">
@@ -3874,10 +3763,27 @@
                 </a:highlight>
                 <a:latin typeface="Consolas" panose="020B0609020204030204" pitchFamily="49" charset="0"/>
               </a:rPr>
-              <a:t> </a:t>
-            </a:r>
-            <a:r>
-              <a:rPr lang="de-DE" sz="1800" dirty="0" smtClean="0">
+              <a:t> Testdatenbank </a:t>
+            </a:r>
+          </a:p>
+          <a:p>
+            <a:pPr marL="0" indent="0">
+              <a:buNone/>
+            </a:pPr>
+            <a:r>
+              <a:rPr lang="de-DE" sz="1800" dirty="0">
+                <a:solidFill>
+                  <a:srgbClr val="0000FF"/>
+                </a:solidFill>
+                <a:highlight>
+                  <a:srgbClr val="FFFFFF"/>
+                </a:highlight>
+                <a:latin typeface="Consolas" panose="020B0609020204030204" pitchFamily="49" charset="0"/>
+              </a:rPr>
+              <a:t>SET</a:t>
+            </a:r>
+            <a:r>
+              <a:rPr lang="de-DE" sz="1800" dirty="0">
                 <a:solidFill>
                   <a:srgbClr val="000000"/>
                 </a:solidFill>
@@ -3886,972 +3792,75 @@
                 </a:highlight>
                 <a:latin typeface="Consolas" panose="020B0609020204030204" pitchFamily="49" charset="0"/>
               </a:rPr>
-              <a:t>Bestellung </a:t>
-            </a:r>
-            <a:endParaRPr lang="de-DE" sz="1800" dirty="0">
-              <a:solidFill>
-                <a:srgbClr val="000000"/>
-              </a:solidFill>
-              <a:highlight>
-                <a:srgbClr val="FFFFFF"/>
-              </a:highlight>
-              <a:latin typeface="Consolas" panose="020B0609020204030204" pitchFamily="49" charset="0"/>
+              <a:t> MEMORY_OPTIMIZED_ELEVATE_TO_SNAPSHOT</a:t>
+            </a:r>
+            <a:r>
+              <a:rPr lang="de-DE" sz="1800" dirty="0">
+                <a:solidFill>
+                  <a:srgbClr val="808080"/>
+                </a:solidFill>
+                <a:highlight>
+                  <a:srgbClr val="FFFFFF"/>
+                </a:highlight>
+                <a:latin typeface="Consolas" panose="020B0609020204030204" pitchFamily="49" charset="0"/>
+              </a:rPr>
+              <a:t>=</a:t>
+            </a:r>
+            <a:r>
+              <a:rPr lang="de-DE" sz="1800" dirty="0">
+                <a:solidFill>
+                  <a:srgbClr val="0000FF"/>
+                </a:solidFill>
+                <a:highlight>
+                  <a:srgbClr val="FFFFFF"/>
+                </a:highlight>
+                <a:latin typeface="Consolas" panose="020B0609020204030204" pitchFamily="49" charset="0"/>
+              </a:rPr>
+              <a:t>ON</a:t>
+            </a:r>
+            <a:r>
+              <a:rPr lang="de-DE" sz="1800" dirty="0">
+                <a:solidFill>
+                  <a:srgbClr val="000000"/>
+                </a:solidFill>
+                <a:highlight>
+                  <a:srgbClr val="FFFFFF"/>
+                </a:highlight>
+                <a:latin typeface="Consolas" panose="020B0609020204030204" pitchFamily="49" charset="0"/>
+              </a:rPr>
+              <a:t>  </a:t>
+            </a:r>
+          </a:p>
+          <a:p>
+            <a:pPr marL="0" indent="0">
+              <a:buFontTx/>
+              <a:buNone/>
+            </a:pPr>
+            <a:endParaRPr lang="de-DE" sz="1800" dirty="0"/>
+          </a:p>
+          <a:p>
+            <a:r>
+              <a:rPr lang="de-DE" sz="1800" dirty="0"/>
+              <a:t>Erstellt einen Tabellenhinweis auf die speicheroptimierte Tabelle</a:t>
+            </a:r>
+          </a:p>
+          <a:p>
+            <a:r>
+              <a:rPr lang="de-DE" sz="1800" dirty="0"/>
+              <a:t>Der Hinweis muss für SNAPSHOT oder eine stärker isolierende Stufe erfolgen</a:t>
+            </a:r>
+          </a:p>
+          <a:p>
+            <a:endParaRPr lang="de-DE" altLang="de-DE" sz="1800" kern="0" dirty="0">
+              <a:latin typeface="Arial" panose="020B0604020202020204" pitchFamily="34" charset="0"/>
             </a:endParaRPr>
-          </a:p>
-          <a:p>
-            <a:r>
-              <a:rPr lang="de-DE" sz="1800" dirty="0">
-                <a:solidFill>
-                  <a:srgbClr val="808080"/>
-                </a:solidFill>
-                <a:highlight>
-                  <a:srgbClr val="FFFFFF"/>
-                </a:highlight>
-                <a:latin typeface="Consolas" panose="020B0609020204030204" pitchFamily="49" charset="0"/>
-              </a:rPr>
-              <a:t>(</a:t>
-            </a:r>
-            <a:endParaRPr lang="de-DE" sz="1800" dirty="0">
-              <a:solidFill>
-                <a:srgbClr val="000000"/>
-              </a:solidFill>
-              <a:highlight>
-                <a:srgbClr val="FFFFFF"/>
-              </a:highlight>
-              <a:latin typeface="Consolas" panose="020B0609020204030204" pitchFamily="49" charset="0"/>
-            </a:endParaRPr>
-          </a:p>
-          <a:p>
-            <a:r>
-              <a:rPr lang="en-US" sz="1800" dirty="0" err="1">
-                <a:solidFill>
-                  <a:srgbClr val="000000"/>
-                </a:solidFill>
-                <a:highlight>
-                  <a:srgbClr val="FFFFFF"/>
-                </a:highlight>
-                <a:latin typeface="Consolas" panose="020B0609020204030204" pitchFamily="49" charset="0"/>
-              </a:rPr>
-              <a:t>Bestellnr</a:t>
-            </a:r>
-            <a:r>
-              <a:rPr lang="en-US" sz="1800" dirty="0">
-                <a:solidFill>
-                  <a:srgbClr val="000000"/>
-                </a:solidFill>
-                <a:highlight>
-                  <a:srgbClr val="FFFFFF"/>
-                </a:highlight>
-                <a:latin typeface="Consolas" panose="020B0609020204030204" pitchFamily="49" charset="0"/>
-              </a:rPr>
-              <a:t> </a:t>
-            </a:r>
-            <a:r>
-              <a:rPr lang="en-US" sz="1800" dirty="0" err="1">
-                <a:solidFill>
-                  <a:srgbClr val="0000FF"/>
-                </a:solidFill>
-                <a:highlight>
-                  <a:srgbClr val="FFFFFF"/>
-                </a:highlight>
-                <a:latin typeface="Consolas" panose="020B0609020204030204" pitchFamily="49" charset="0"/>
-              </a:rPr>
-              <a:t>int</a:t>
-            </a:r>
-            <a:r>
-              <a:rPr lang="en-US" sz="1800" dirty="0">
-                <a:solidFill>
-                  <a:srgbClr val="000000"/>
-                </a:solidFill>
-                <a:highlight>
-                  <a:srgbClr val="FFFFFF"/>
-                </a:highlight>
-                <a:latin typeface="Consolas" panose="020B0609020204030204" pitchFamily="49" charset="0"/>
-              </a:rPr>
-              <a:t> </a:t>
-            </a:r>
-            <a:r>
-              <a:rPr lang="en-US" sz="1800" dirty="0">
-                <a:solidFill>
-                  <a:srgbClr val="0000FF"/>
-                </a:solidFill>
-                <a:highlight>
-                  <a:srgbClr val="FFFFFF"/>
-                </a:highlight>
-                <a:latin typeface="Consolas" panose="020B0609020204030204" pitchFamily="49" charset="0"/>
-              </a:rPr>
-              <a:t>Primary</a:t>
-            </a:r>
-            <a:r>
-              <a:rPr lang="en-US" sz="1800" dirty="0">
-                <a:solidFill>
-                  <a:srgbClr val="000000"/>
-                </a:solidFill>
-                <a:highlight>
-                  <a:srgbClr val="FFFFFF"/>
-                </a:highlight>
-                <a:latin typeface="Consolas" panose="020B0609020204030204" pitchFamily="49" charset="0"/>
-              </a:rPr>
-              <a:t> </a:t>
-            </a:r>
-            <a:r>
-              <a:rPr lang="en-US" sz="1800" dirty="0" smtClean="0">
-                <a:solidFill>
-                  <a:srgbClr val="0000FF"/>
-                </a:solidFill>
-                <a:highlight>
-                  <a:srgbClr val="FFFFFF"/>
-                </a:highlight>
-                <a:latin typeface="Consolas" panose="020B0609020204030204" pitchFamily="49" charset="0"/>
-              </a:rPr>
-              <a:t>Key</a:t>
-            </a:r>
-            <a:r>
-              <a:rPr lang="en-US" sz="1800" dirty="0" smtClean="0">
-                <a:solidFill>
-                  <a:srgbClr val="000000"/>
-                </a:solidFill>
-                <a:highlight>
-                  <a:srgbClr val="FFFFFF"/>
-                </a:highlight>
-                <a:latin typeface="Consolas" panose="020B0609020204030204" pitchFamily="49" charset="0"/>
-              </a:rPr>
-              <a:t> </a:t>
-            </a:r>
-            <a:r>
-              <a:rPr lang="en-US" sz="1800" dirty="0" smtClean="0">
-                <a:solidFill>
-                  <a:srgbClr val="0000FF"/>
-                </a:solidFill>
-                <a:highlight>
-                  <a:srgbClr val="FFFFFF"/>
-                </a:highlight>
-                <a:latin typeface="Consolas" panose="020B0609020204030204" pitchFamily="49" charset="0"/>
-              </a:rPr>
-              <a:t>NONCLUSTERED</a:t>
-            </a:r>
-            <a:r>
-              <a:rPr lang="en-US" sz="1800" dirty="0">
-                <a:solidFill>
-                  <a:srgbClr val="808080"/>
-                </a:solidFill>
-                <a:highlight>
-                  <a:srgbClr val="FFFFFF"/>
-                </a:highlight>
-                <a:latin typeface="Consolas" panose="020B0609020204030204" pitchFamily="49" charset="0"/>
-              </a:rPr>
-              <a:t>,</a:t>
-            </a:r>
-            <a:endParaRPr lang="en-US" sz="1800" dirty="0">
-              <a:solidFill>
-                <a:srgbClr val="000000"/>
-              </a:solidFill>
-              <a:highlight>
-                <a:srgbClr val="FFFFFF"/>
-              </a:highlight>
-              <a:latin typeface="Consolas" panose="020B0609020204030204" pitchFamily="49" charset="0"/>
-            </a:endParaRPr>
-          </a:p>
-          <a:p>
-            <a:r>
-              <a:rPr lang="de-DE" sz="1800" dirty="0">
-                <a:solidFill>
-                  <a:srgbClr val="000000"/>
-                </a:solidFill>
-                <a:highlight>
-                  <a:srgbClr val="FFFFFF"/>
-                </a:highlight>
-                <a:latin typeface="Consolas" panose="020B0609020204030204" pitchFamily="49" charset="0"/>
-              </a:rPr>
-              <a:t>Datum </a:t>
-            </a:r>
-            <a:r>
-              <a:rPr lang="de-DE" sz="1800" dirty="0" err="1">
-                <a:solidFill>
-                  <a:srgbClr val="0000FF"/>
-                </a:solidFill>
-                <a:highlight>
-                  <a:srgbClr val="FFFFFF"/>
-                </a:highlight>
-                <a:latin typeface="Consolas" panose="020B0609020204030204" pitchFamily="49" charset="0"/>
-              </a:rPr>
-              <a:t>date</a:t>
-            </a:r>
-            <a:r>
-              <a:rPr lang="de-DE" sz="1800" dirty="0">
-                <a:solidFill>
-                  <a:srgbClr val="808080"/>
-                </a:solidFill>
-                <a:highlight>
-                  <a:srgbClr val="FFFFFF"/>
-                </a:highlight>
-                <a:latin typeface="Consolas" panose="020B0609020204030204" pitchFamily="49" charset="0"/>
-              </a:rPr>
-              <a:t>,</a:t>
-            </a:r>
-            <a:endParaRPr lang="de-DE" sz="1800" dirty="0">
-              <a:solidFill>
-                <a:srgbClr val="000000"/>
-              </a:solidFill>
-              <a:highlight>
-                <a:srgbClr val="FFFFFF"/>
-              </a:highlight>
-              <a:latin typeface="Consolas" panose="020B0609020204030204" pitchFamily="49" charset="0"/>
-            </a:endParaRPr>
-          </a:p>
-          <a:p>
-            <a:r>
-              <a:rPr lang="de-DE" sz="1800" dirty="0">
-                <a:solidFill>
-                  <a:srgbClr val="000000"/>
-                </a:solidFill>
-                <a:highlight>
-                  <a:srgbClr val="FFFFFF"/>
-                </a:highlight>
-                <a:latin typeface="Consolas" panose="020B0609020204030204" pitchFamily="49" charset="0"/>
-              </a:rPr>
-              <a:t>Pos </a:t>
-            </a:r>
-            <a:r>
-              <a:rPr lang="de-DE" sz="1800" dirty="0" err="1">
-                <a:solidFill>
-                  <a:srgbClr val="0000FF"/>
-                </a:solidFill>
-                <a:highlight>
-                  <a:srgbClr val="FFFFFF"/>
-                </a:highlight>
-                <a:latin typeface="Consolas" panose="020B0609020204030204" pitchFamily="49" charset="0"/>
-              </a:rPr>
-              <a:t>int</a:t>
-            </a:r>
-            <a:r>
-              <a:rPr lang="de-DE" sz="1800" dirty="0">
-                <a:solidFill>
-                  <a:srgbClr val="808080"/>
-                </a:solidFill>
-                <a:highlight>
-                  <a:srgbClr val="FFFFFF"/>
-                </a:highlight>
-                <a:latin typeface="Consolas" panose="020B0609020204030204" pitchFamily="49" charset="0"/>
-              </a:rPr>
-              <a:t>,</a:t>
-            </a:r>
-            <a:endParaRPr lang="de-DE" sz="1800" dirty="0">
-              <a:solidFill>
-                <a:srgbClr val="000000"/>
-              </a:solidFill>
-              <a:highlight>
-                <a:srgbClr val="FFFFFF"/>
-              </a:highlight>
-              <a:latin typeface="Consolas" panose="020B0609020204030204" pitchFamily="49" charset="0"/>
-            </a:endParaRPr>
-          </a:p>
-          <a:p>
-            <a:r>
-              <a:rPr lang="de-DE" sz="1800" dirty="0" err="1">
-                <a:solidFill>
-                  <a:srgbClr val="000000"/>
-                </a:solidFill>
-                <a:highlight>
-                  <a:srgbClr val="FFFFFF"/>
-                </a:highlight>
-                <a:latin typeface="Consolas" panose="020B0609020204030204" pitchFamily="49" charset="0"/>
-              </a:rPr>
-              <a:t>Artnr</a:t>
-            </a:r>
-            <a:r>
-              <a:rPr lang="de-DE" sz="1800" dirty="0">
-                <a:solidFill>
-                  <a:srgbClr val="000000"/>
-                </a:solidFill>
-                <a:highlight>
-                  <a:srgbClr val="FFFFFF"/>
-                </a:highlight>
-                <a:latin typeface="Consolas" panose="020B0609020204030204" pitchFamily="49" charset="0"/>
-              </a:rPr>
-              <a:t> </a:t>
-            </a:r>
-            <a:r>
-              <a:rPr lang="de-DE" sz="1800" dirty="0" err="1">
-                <a:solidFill>
-                  <a:srgbClr val="0000FF"/>
-                </a:solidFill>
-                <a:highlight>
-                  <a:srgbClr val="FFFFFF"/>
-                </a:highlight>
-                <a:latin typeface="Consolas" panose="020B0609020204030204" pitchFamily="49" charset="0"/>
-              </a:rPr>
-              <a:t>int</a:t>
-            </a:r>
-            <a:r>
-              <a:rPr lang="de-DE" sz="1800" dirty="0">
-                <a:solidFill>
-                  <a:srgbClr val="808080"/>
-                </a:solidFill>
-                <a:highlight>
-                  <a:srgbClr val="FFFFFF"/>
-                </a:highlight>
-                <a:latin typeface="Consolas" panose="020B0609020204030204" pitchFamily="49" charset="0"/>
-              </a:rPr>
-              <a:t>,</a:t>
-            </a:r>
-            <a:endParaRPr lang="de-DE" sz="1800" dirty="0">
-              <a:solidFill>
-                <a:srgbClr val="000000"/>
-              </a:solidFill>
-              <a:highlight>
-                <a:srgbClr val="FFFFFF"/>
-              </a:highlight>
-              <a:latin typeface="Consolas" panose="020B0609020204030204" pitchFamily="49" charset="0"/>
-            </a:endParaRPr>
-          </a:p>
-          <a:p>
-            <a:r>
-              <a:rPr lang="de-DE" sz="1800" dirty="0" err="1">
-                <a:solidFill>
-                  <a:srgbClr val="000000"/>
-                </a:solidFill>
-                <a:highlight>
-                  <a:srgbClr val="FFFFFF"/>
-                </a:highlight>
-                <a:latin typeface="Consolas" panose="020B0609020204030204" pitchFamily="49" charset="0"/>
-              </a:rPr>
-              <a:t>Artbez</a:t>
-            </a:r>
-            <a:r>
-              <a:rPr lang="de-DE" sz="1800" dirty="0">
-                <a:solidFill>
-                  <a:srgbClr val="000000"/>
-                </a:solidFill>
-                <a:highlight>
-                  <a:srgbClr val="FFFFFF"/>
-                </a:highlight>
-                <a:latin typeface="Consolas" panose="020B0609020204030204" pitchFamily="49" charset="0"/>
-              </a:rPr>
-              <a:t> </a:t>
-            </a:r>
-            <a:r>
-              <a:rPr lang="de-DE" sz="1800" dirty="0" err="1">
-                <a:solidFill>
-                  <a:srgbClr val="0000FF"/>
-                </a:solidFill>
-                <a:highlight>
-                  <a:srgbClr val="FFFFFF"/>
-                </a:highlight>
-                <a:latin typeface="Consolas" panose="020B0609020204030204" pitchFamily="49" charset="0"/>
-              </a:rPr>
-              <a:t>varchar</a:t>
-            </a:r>
-            <a:r>
-              <a:rPr lang="de-DE" sz="1800" dirty="0">
-                <a:solidFill>
-                  <a:srgbClr val="808080"/>
-                </a:solidFill>
-                <a:highlight>
-                  <a:srgbClr val="FFFFFF"/>
-                </a:highlight>
-                <a:latin typeface="Consolas" panose="020B0609020204030204" pitchFamily="49" charset="0"/>
-              </a:rPr>
-              <a:t>,</a:t>
-            </a:r>
-            <a:endParaRPr lang="de-DE" sz="1800" dirty="0">
-              <a:solidFill>
-                <a:srgbClr val="000000"/>
-              </a:solidFill>
-              <a:highlight>
-                <a:srgbClr val="FFFFFF"/>
-              </a:highlight>
-              <a:latin typeface="Consolas" panose="020B0609020204030204" pitchFamily="49" charset="0"/>
-            </a:endParaRPr>
-          </a:p>
-          <a:p>
-            <a:r>
-              <a:rPr lang="de-DE" sz="1800" dirty="0">
-                <a:solidFill>
-                  <a:srgbClr val="000000"/>
-                </a:solidFill>
-                <a:highlight>
-                  <a:srgbClr val="FFFFFF"/>
-                </a:highlight>
-                <a:latin typeface="Consolas" panose="020B0609020204030204" pitchFamily="49" charset="0"/>
-              </a:rPr>
-              <a:t>Preis </a:t>
-            </a:r>
-            <a:r>
-              <a:rPr lang="de-DE" sz="1800" dirty="0" err="1">
-                <a:solidFill>
-                  <a:srgbClr val="0000FF"/>
-                </a:solidFill>
-                <a:highlight>
-                  <a:srgbClr val="FFFFFF"/>
-                </a:highlight>
-                <a:latin typeface="Consolas" panose="020B0609020204030204" pitchFamily="49" charset="0"/>
-              </a:rPr>
-              <a:t>int</a:t>
-            </a:r>
-            <a:r>
-              <a:rPr lang="de-DE" sz="1800" dirty="0">
-                <a:solidFill>
-                  <a:srgbClr val="808080"/>
-                </a:solidFill>
-                <a:highlight>
-                  <a:srgbClr val="FFFFFF"/>
-                </a:highlight>
-                <a:latin typeface="Consolas" panose="020B0609020204030204" pitchFamily="49" charset="0"/>
-              </a:rPr>
-              <a:t>,</a:t>
-            </a:r>
-            <a:endParaRPr lang="de-DE" sz="1800" dirty="0">
-              <a:solidFill>
-                <a:srgbClr val="000000"/>
-              </a:solidFill>
-              <a:highlight>
-                <a:srgbClr val="FFFFFF"/>
-              </a:highlight>
-              <a:latin typeface="Consolas" panose="020B0609020204030204" pitchFamily="49" charset="0"/>
-            </a:endParaRPr>
-          </a:p>
-          <a:p>
-            <a:r>
-              <a:rPr lang="de-DE" sz="1800" dirty="0" err="1">
-                <a:solidFill>
-                  <a:srgbClr val="000000"/>
-                </a:solidFill>
-                <a:highlight>
-                  <a:srgbClr val="FFFFFF"/>
-                </a:highlight>
-                <a:latin typeface="Consolas" panose="020B0609020204030204" pitchFamily="49" charset="0"/>
-              </a:rPr>
-              <a:t>Mwst</a:t>
-            </a:r>
-            <a:r>
-              <a:rPr lang="de-DE" sz="1800" dirty="0">
-                <a:solidFill>
-                  <a:srgbClr val="000000"/>
-                </a:solidFill>
-                <a:highlight>
-                  <a:srgbClr val="FFFFFF"/>
-                </a:highlight>
-                <a:latin typeface="Consolas" panose="020B0609020204030204" pitchFamily="49" charset="0"/>
-              </a:rPr>
-              <a:t> </a:t>
-            </a:r>
-            <a:r>
-              <a:rPr lang="de-DE" sz="1800" dirty="0" err="1">
-                <a:solidFill>
-                  <a:srgbClr val="0000FF"/>
-                </a:solidFill>
-                <a:highlight>
-                  <a:srgbClr val="FFFFFF"/>
-                </a:highlight>
-                <a:latin typeface="Consolas" panose="020B0609020204030204" pitchFamily="49" charset="0"/>
-              </a:rPr>
-              <a:t>int</a:t>
-            </a:r>
-            <a:r>
-              <a:rPr lang="de-DE" sz="1800" dirty="0">
-                <a:solidFill>
-                  <a:srgbClr val="808080"/>
-                </a:solidFill>
-                <a:highlight>
-                  <a:srgbClr val="FFFFFF"/>
-                </a:highlight>
-                <a:latin typeface="Consolas" panose="020B0609020204030204" pitchFamily="49" charset="0"/>
-              </a:rPr>
-              <a:t>,</a:t>
-            </a:r>
-            <a:endParaRPr lang="de-DE" sz="1800" dirty="0">
-              <a:solidFill>
-                <a:srgbClr val="000000"/>
-              </a:solidFill>
-              <a:highlight>
-                <a:srgbClr val="FFFFFF"/>
-              </a:highlight>
-              <a:latin typeface="Consolas" panose="020B0609020204030204" pitchFamily="49" charset="0"/>
-            </a:endParaRPr>
-          </a:p>
-          <a:p>
-            <a:r>
-              <a:rPr lang="de-DE" sz="1800" dirty="0">
-                <a:solidFill>
-                  <a:srgbClr val="000000"/>
-                </a:solidFill>
-                <a:highlight>
-                  <a:srgbClr val="FFFFFF"/>
-                </a:highlight>
-                <a:latin typeface="Consolas" panose="020B0609020204030204" pitchFamily="49" charset="0"/>
-              </a:rPr>
-              <a:t>Menge </a:t>
-            </a:r>
-            <a:r>
-              <a:rPr lang="de-DE" sz="1800" dirty="0" err="1">
-                <a:solidFill>
-                  <a:srgbClr val="0000FF"/>
-                </a:solidFill>
-                <a:highlight>
-                  <a:srgbClr val="FFFFFF"/>
-                </a:highlight>
-                <a:latin typeface="Consolas" panose="020B0609020204030204" pitchFamily="49" charset="0"/>
-              </a:rPr>
-              <a:t>int</a:t>
-            </a:r>
-            <a:r>
-              <a:rPr lang="de-DE" sz="1800" dirty="0">
-                <a:solidFill>
-                  <a:srgbClr val="808080"/>
-                </a:solidFill>
-                <a:highlight>
-                  <a:srgbClr val="FFFFFF"/>
-                </a:highlight>
-                <a:latin typeface="Consolas" panose="020B0609020204030204" pitchFamily="49" charset="0"/>
-              </a:rPr>
-              <a:t>,</a:t>
-            </a:r>
-            <a:endParaRPr lang="de-DE" sz="1800" dirty="0">
-              <a:solidFill>
-                <a:srgbClr val="000000"/>
-              </a:solidFill>
-              <a:highlight>
-                <a:srgbClr val="FFFFFF"/>
-              </a:highlight>
-              <a:latin typeface="Consolas" panose="020B0609020204030204" pitchFamily="49" charset="0"/>
-            </a:endParaRPr>
-          </a:p>
-          <a:p>
-            <a:r>
-              <a:rPr lang="de-DE" sz="1800" dirty="0" err="1">
-                <a:solidFill>
-                  <a:srgbClr val="000000"/>
-                </a:solidFill>
-                <a:highlight>
-                  <a:srgbClr val="FFFFFF"/>
-                </a:highlight>
-                <a:latin typeface="Consolas" panose="020B0609020204030204" pitchFamily="49" charset="0"/>
-              </a:rPr>
-              <a:t>RabatMenge</a:t>
-            </a:r>
-            <a:r>
-              <a:rPr lang="de-DE" sz="1800" dirty="0">
-                <a:solidFill>
-                  <a:srgbClr val="000000"/>
-                </a:solidFill>
-                <a:highlight>
-                  <a:srgbClr val="FFFFFF"/>
-                </a:highlight>
-                <a:latin typeface="Consolas" panose="020B0609020204030204" pitchFamily="49" charset="0"/>
-              </a:rPr>
-              <a:t> </a:t>
-            </a:r>
-            <a:r>
-              <a:rPr lang="de-DE" sz="1800" dirty="0" err="1">
-                <a:solidFill>
-                  <a:srgbClr val="0000FF"/>
-                </a:solidFill>
-                <a:highlight>
-                  <a:srgbClr val="FFFFFF"/>
-                </a:highlight>
-                <a:latin typeface="Consolas" panose="020B0609020204030204" pitchFamily="49" charset="0"/>
-              </a:rPr>
-              <a:t>int</a:t>
-            </a:r>
-            <a:r>
-              <a:rPr lang="de-DE" sz="1800" dirty="0">
-                <a:solidFill>
-                  <a:srgbClr val="808080"/>
-                </a:solidFill>
-                <a:highlight>
-                  <a:srgbClr val="FFFFFF"/>
-                </a:highlight>
-                <a:latin typeface="Consolas" panose="020B0609020204030204" pitchFamily="49" charset="0"/>
-              </a:rPr>
-              <a:t>,</a:t>
-            </a:r>
-            <a:endParaRPr lang="de-DE" sz="1800" dirty="0">
-              <a:solidFill>
-                <a:srgbClr val="000000"/>
-              </a:solidFill>
-              <a:highlight>
-                <a:srgbClr val="FFFFFF"/>
-              </a:highlight>
-              <a:latin typeface="Consolas" panose="020B0609020204030204" pitchFamily="49" charset="0"/>
-            </a:endParaRPr>
-          </a:p>
-          <a:p>
-            <a:r>
-              <a:rPr lang="de-DE" sz="1800" dirty="0" err="1">
-                <a:solidFill>
-                  <a:srgbClr val="000000"/>
-                </a:solidFill>
-                <a:highlight>
-                  <a:srgbClr val="FFFFFF"/>
-                </a:highlight>
-                <a:latin typeface="Consolas" panose="020B0609020204030204" pitchFamily="49" charset="0"/>
-              </a:rPr>
-              <a:t>BetragGesamt</a:t>
-            </a:r>
-            <a:r>
-              <a:rPr lang="de-DE" sz="1800" dirty="0">
-                <a:solidFill>
-                  <a:srgbClr val="000000"/>
-                </a:solidFill>
-                <a:highlight>
-                  <a:srgbClr val="FFFFFF"/>
-                </a:highlight>
-                <a:latin typeface="Consolas" panose="020B0609020204030204" pitchFamily="49" charset="0"/>
-              </a:rPr>
-              <a:t> </a:t>
-            </a:r>
-            <a:r>
-              <a:rPr lang="de-DE" sz="1800" dirty="0" err="1">
-                <a:solidFill>
-                  <a:srgbClr val="0000FF"/>
-                </a:solidFill>
-                <a:highlight>
-                  <a:srgbClr val="FFFFFF"/>
-                </a:highlight>
-                <a:latin typeface="Consolas" panose="020B0609020204030204" pitchFamily="49" charset="0"/>
-              </a:rPr>
-              <a:t>int</a:t>
-            </a:r>
-            <a:r>
-              <a:rPr lang="de-DE" sz="1800" dirty="0">
-                <a:solidFill>
-                  <a:srgbClr val="808080"/>
-                </a:solidFill>
-                <a:highlight>
-                  <a:srgbClr val="FFFFFF"/>
-                </a:highlight>
-                <a:latin typeface="Consolas" panose="020B0609020204030204" pitchFamily="49" charset="0"/>
-              </a:rPr>
-              <a:t>,</a:t>
-            </a:r>
-            <a:endParaRPr lang="de-DE" sz="1800" dirty="0">
-              <a:solidFill>
-                <a:srgbClr val="000000"/>
-              </a:solidFill>
-              <a:highlight>
-                <a:srgbClr val="FFFFFF"/>
-              </a:highlight>
-              <a:latin typeface="Consolas" panose="020B0609020204030204" pitchFamily="49" charset="0"/>
-            </a:endParaRPr>
-          </a:p>
-          <a:p>
-            <a:r>
-              <a:rPr lang="de-DE" sz="1800" dirty="0" err="1">
-                <a:solidFill>
-                  <a:srgbClr val="000000"/>
-                </a:solidFill>
-                <a:highlight>
-                  <a:srgbClr val="FFFFFF"/>
-                </a:highlight>
-                <a:latin typeface="Consolas" panose="020B0609020204030204" pitchFamily="49" charset="0"/>
-              </a:rPr>
-              <a:t>RabatKunde</a:t>
-            </a:r>
-            <a:r>
-              <a:rPr lang="de-DE" sz="1800" dirty="0">
-                <a:solidFill>
-                  <a:srgbClr val="000000"/>
-                </a:solidFill>
-                <a:highlight>
-                  <a:srgbClr val="FFFFFF"/>
-                </a:highlight>
-                <a:latin typeface="Consolas" panose="020B0609020204030204" pitchFamily="49" charset="0"/>
-              </a:rPr>
-              <a:t> </a:t>
-            </a:r>
-            <a:r>
-              <a:rPr lang="de-DE" sz="1800" dirty="0" err="1">
-                <a:solidFill>
-                  <a:srgbClr val="0000FF"/>
-                </a:solidFill>
-                <a:highlight>
-                  <a:srgbClr val="FFFFFF"/>
-                </a:highlight>
-                <a:latin typeface="Consolas" panose="020B0609020204030204" pitchFamily="49" charset="0"/>
-              </a:rPr>
-              <a:t>int</a:t>
-            </a:r>
-            <a:r>
-              <a:rPr lang="de-DE" sz="1800" dirty="0">
-                <a:solidFill>
-                  <a:srgbClr val="808080"/>
-                </a:solidFill>
-                <a:highlight>
-                  <a:srgbClr val="FFFFFF"/>
-                </a:highlight>
-                <a:latin typeface="Consolas" panose="020B0609020204030204" pitchFamily="49" charset="0"/>
-              </a:rPr>
-              <a:t>,</a:t>
-            </a:r>
-            <a:endParaRPr lang="de-DE" sz="1800" dirty="0">
-              <a:solidFill>
-                <a:srgbClr val="000000"/>
-              </a:solidFill>
-              <a:highlight>
-                <a:srgbClr val="FFFFFF"/>
-              </a:highlight>
-              <a:latin typeface="Consolas" panose="020B0609020204030204" pitchFamily="49" charset="0"/>
-            </a:endParaRPr>
-          </a:p>
-          <a:p>
-            <a:r>
-              <a:rPr lang="de-DE" sz="1800" dirty="0" err="1">
-                <a:solidFill>
-                  <a:srgbClr val="000000"/>
-                </a:solidFill>
-                <a:highlight>
-                  <a:srgbClr val="FFFFFF"/>
-                </a:highlight>
-                <a:latin typeface="Consolas" panose="020B0609020204030204" pitchFamily="49" charset="0"/>
-              </a:rPr>
-              <a:t>MwstGesamt</a:t>
-            </a:r>
-            <a:r>
-              <a:rPr lang="de-DE" sz="1800" dirty="0">
-                <a:solidFill>
-                  <a:srgbClr val="000000"/>
-                </a:solidFill>
-                <a:highlight>
-                  <a:srgbClr val="FFFFFF"/>
-                </a:highlight>
-                <a:latin typeface="Consolas" panose="020B0609020204030204" pitchFamily="49" charset="0"/>
-              </a:rPr>
-              <a:t> </a:t>
-            </a:r>
-            <a:r>
-              <a:rPr lang="de-DE" sz="1800" dirty="0" err="1">
-                <a:solidFill>
-                  <a:srgbClr val="0000FF"/>
-                </a:solidFill>
-                <a:highlight>
-                  <a:srgbClr val="FFFFFF"/>
-                </a:highlight>
-                <a:latin typeface="Consolas" panose="020B0609020204030204" pitchFamily="49" charset="0"/>
-              </a:rPr>
-              <a:t>int</a:t>
-            </a:r>
-            <a:r>
-              <a:rPr lang="de-DE" sz="1800" dirty="0">
-                <a:solidFill>
-                  <a:srgbClr val="808080"/>
-                </a:solidFill>
-                <a:highlight>
-                  <a:srgbClr val="FFFFFF"/>
-                </a:highlight>
-                <a:latin typeface="Consolas" panose="020B0609020204030204" pitchFamily="49" charset="0"/>
-              </a:rPr>
-              <a:t>,</a:t>
-            </a:r>
-            <a:endParaRPr lang="de-DE" sz="1800" dirty="0">
-              <a:solidFill>
-                <a:srgbClr val="000000"/>
-              </a:solidFill>
-              <a:highlight>
-                <a:srgbClr val="FFFFFF"/>
-              </a:highlight>
-              <a:latin typeface="Consolas" panose="020B0609020204030204" pitchFamily="49" charset="0"/>
-            </a:endParaRPr>
-          </a:p>
-          <a:p>
-            <a:r>
-              <a:rPr lang="de-DE" sz="1800" dirty="0" err="1">
-                <a:solidFill>
-                  <a:srgbClr val="000000"/>
-                </a:solidFill>
-                <a:highlight>
-                  <a:srgbClr val="FFFFFF"/>
-                </a:highlight>
-                <a:latin typeface="Consolas" panose="020B0609020204030204" pitchFamily="49" charset="0"/>
-              </a:rPr>
-              <a:t>Kunnr</a:t>
-            </a:r>
-            <a:r>
-              <a:rPr lang="de-DE" sz="1800" dirty="0">
-                <a:solidFill>
-                  <a:srgbClr val="000000"/>
-                </a:solidFill>
-                <a:highlight>
-                  <a:srgbClr val="FFFFFF"/>
-                </a:highlight>
-                <a:latin typeface="Consolas" panose="020B0609020204030204" pitchFamily="49" charset="0"/>
-              </a:rPr>
-              <a:t> </a:t>
-            </a:r>
-            <a:r>
-              <a:rPr lang="de-DE" sz="1800" dirty="0" err="1">
-                <a:solidFill>
-                  <a:srgbClr val="0000FF"/>
-                </a:solidFill>
-                <a:highlight>
-                  <a:srgbClr val="FFFFFF"/>
-                </a:highlight>
-                <a:latin typeface="Consolas" panose="020B0609020204030204" pitchFamily="49" charset="0"/>
-              </a:rPr>
-              <a:t>int</a:t>
-            </a:r>
-            <a:r>
-              <a:rPr lang="de-DE" sz="1800" dirty="0">
-                <a:solidFill>
-                  <a:srgbClr val="808080"/>
-                </a:solidFill>
-                <a:highlight>
-                  <a:srgbClr val="FFFFFF"/>
-                </a:highlight>
-                <a:latin typeface="Consolas" panose="020B0609020204030204" pitchFamily="49" charset="0"/>
-              </a:rPr>
-              <a:t>,</a:t>
-            </a:r>
-            <a:endParaRPr lang="de-DE" sz="1800" dirty="0">
-              <a:solidFill>
-                <a:srgbClr val="000000"/>
-              </a:solidFill>
-              <a:highlight>
-                <a:srgbClr val="FFFFFF"/>
-              </a:highlight>
-              <a:latin typeface="Consolas" panose="020B0609020204030204" pitchFamily="49" charset="0"/>
-            </a:endParaRPr>
-          </a:p>
-          <a:p>
-            <a:r>
-              <a:rPr lang="de-DE" sz="1800" dirty="0">
-                <a:solidFill>
-                  <a:srgbClr val="000000"/>
-                </a:solidFill>
-                <a:highlight>
-                  <a:srgbClr val="FFFFFF"/>
-                </a:highlight>
-                <a:latin typeface="Consolas" panose="020B0609020204030204" pitchFamily="49" charset="0"/>
-              </a:rPr>
-              <a:t>Eilauftrag </a:t>
-            </a:r>
-            <a:r>
-              <a:rPr lang="de-DE" sz="1800" dirty="0" err="1">
-                <a:solidFill>
-                  <a:srgbClr val="0000FF"/>
-                </a:solidFill>
-                <a:highlight>
-                  <a:srgbClr val="FFFFFF"/>
-                </a:highlight>
-                <a:latin typeface="Consolas" panose="020B0609020204030204" pitchFamily="49" charset="0"/>
-              </a:rPr>
-              <a:t>int</a:t>
-            </a:r>
-            <a:endParaRPr lang="de-DE" sz="1800" dirty="0">
-              <a:solidFill>
-                <a:srgbClr val="000000"/>
-              </a:solidFill>
-              <a:highlight>
-                <a:srgbClr val="FFFFFF"/>
-              </a:highlight>
-              <a:latin typeface="Consolas" panose="020B0609020204030204" pitchFamily="49" charset="0"/>
-            </a:endParaRPr>
-          </a:p>
-          <a:p>
-            <a:r>
-              <a:rPr lang="de-DE" sz="1800" dirty="0">
-                <a:solidFill>
-                  <a:srgbClr val="808080"/>
-                </a:solidFill>
-                <a:highlight>
-                  <a:srgbClr val="FFFFFF"/>
-                </a:highlight>
-                <a:latin typeface="Consolas" panose="020B0609020204030204" pitchFamily="49" charset="0"/>
-              </a:rPr>
-              <a:t>)</a:t>
-            </a:r>
-            <a:r>
-              <a:rPr lang="de-DE" sz="1800" dirty="0">
-                <a:solidFill>
-                  <a:srgbClr val="000000"/>
-                </a:solidFill>
-                <a:highlight>
-                  <a:srgbClr val="FFFFFF"/>
-                </a:highlight>
-                <a:latin typeface="Consolas" panose="020B0609020204030204" pitchFamily="49" charset="0"/>
-              </a:rPr>
-              <a:t> </a:t>
-            </a:r>
-            <a:r>
-              <a:rPr lang="de-DE" sz="1800" dirty="0">
-                <a:solidFill>
-                  <a:srgbClr val="0000FF"/>
-                </a:solidFill>
-                <a:highlight>
-                  <a:srgbClr val="FFFFFF"/>
-                </a:highlight>
-                <a:latin typeface="Consolas" panose="020B0609020204030204" pitchFamily="49" charset="0"/>
-              </a:rPr>
-              <a:t>WITH </a:t>
-            </a:r>
-            <a:r>
-              <a:rPr lang="de-DE" sz="1800" dirty="0">
-                <a:solidFill>
-                  <a:srgbClr val="808080"/>
-                </a:solidFill>
-                <a:highlight>
-                  <a:srgbClr val="FFFFFF"/>
-                </a:highlight>
-                <a:latin typeface="Consolas" panose="020B0609020204030204" pitchFamily="49" charset="0"/>
-              </a:rPr>
-              <a:t>(</a:t>
-            </a:r>
-            <a:r>
-              <a:rPr lang="de-DE" sz="1800" dirty="0">
-                <a:solidFill>
-                  <a:srgbClr val="0000FF"/>
-                </a:solidFill>
-                <a:highlight>
-                  <a:srgbClr val="FFFFFF"/>
-                </a:highlight>
-                <a:latin typeface="Consolas" panose="020B0609020204030204" pitchFamily="49" charset="0"/>
-              </a:rPr>
-              <a:t>MEMORY_OPTIMIZED</a:t>
-            </a:r>
-            <a:r>
-              <a:rPr lang="de-DE" sz="1800" dirty="0">
-                <a:solidFill>
-                  <a:srgbClr val="808080"/>
-                </a:solidFill>
-                <a:highlight>
-                  <a:srgbClr val="FFFFFF"/>
-                </a:highlight>
-                <a:latin typeface="Consolas" panose="020B0609020204030204" pitchFamily="49" charset="0"/>
-              </a:rPr>
-              <a:t>=</a:t>
-            </a:r>
-            <a:r>
-              <a:rPr lang="de-DE" sz="1800" dirty="0">
-                <a:solidFill>
-                  <a:srgbClr val="0000FF"/>
-                </a:solidFill>
-                <a:highlight>
-                  <a:srgbClr val="FFFFFF"/>
-                </a:highlight>
-                <a:latin typeface="Consolas" panose="020B0609020204030204" pitchFamily="49" charset="0"/>
-              </a:rPr>
-              <a:t>ON</a:t>
-            </a:r>
-            <a:r>
-              <a:rPr lang="de-DE" sz="1800" dirty="0">
-                <a:solidFill>
-                  <a:srgbClr val="808080"/>
-                </a:solidFill>
-                <a:highlight>
-                  <a:srgbClr val="FFFFFF"/>
-                </a:highlight>
-                <a:latin typeface="Consolas" panose="020B0609020204030204" pitchFamily="49" charset="0"/>
-              </a:rPr>
-              <a:t>)</a:t>
-            </a:r>
-            <a:endParaRPr lang="de-DE" sz="1800" dirty="0"/>
           </a:p>
         </p:txBody>
       </p:sp>
     </p:spTree>
     <p:extLst>
       <p:ext uri="{BB962C8B-B14F-4D97-AF65-F5344CB8AC3E}">
-        <p14:creationId xmlns:p14="http://schemas.microsoft.com/office/powerpoint/2010/main" val="3540918130"/>
+        <p14:creationId xmlns:p14="http://schemas.microsoft.com/office/powerpoint/2010/main" val="395008230"/>
       </p:ext>
     </p:extLst>
   </p:cSld>
@@ -4907,6 +3916,1090 @@
             </a:r>
             <a:r>
               <a:rPr lang="de-DE" dirty="0"/>
+              <a:t> – Tabellen einrichten 1</a:t>
+            </a:r>
+          </a:p>
+        </p:txBody>
+      </p:sp>
+      <p:sp>
+        <p:nvSpPr>
+          <p:cNvPr id="4" name="Rechteck 3"/>
+          <p:cNvSpPr/>
+          <p:nvPr/>
+        </p:nvSpPr>
+        <p:spPr>
+          <a:xfrm>
+            <a:off x="436216" y="908720"/>
+            <a:ext cx="5359920" cy="4801314"/>
+          </a:xfrm>
+          <a:prstGeom prst="rect">
+            <a:avLst/>
+          </a:prstGeom>
+        </p:spPr>
+        <p:txBody>
+          <a:bodyPr wrap="square">
+            <a:spAutoFit/>
+          </a:bodyPr>
+          <a:lstStyle/>
+          <a:p>
+            <a:r>
+              <a:rPr lang="de-DE" sz="1800" dirty="0">
+                <a:solidFill>
+                  <a:srgbClr val="0000FF"/>
+                </a:solidFill>
+                <a:highlight>
+                  <a:srgbClr val="FFFFFF"/>
+                </a:highlight>
+                <a:latin typeface="Consolas" panose="020B0609020204030204" pitchFamily="49" charset="0"/>
+              </a:rPr>
+              <a:t>CREATE</a:t>
+            </a:r>
+            <a:r>
+              <a:rPr lang="de-DE" sz="1800" dirty="0">
+                <a:solidFill>
+                  <a:srgbClr val="000000"/>
+                </a:solidFill>
+                <a:highlight>
+                  <a:srgbClr val="FFFFFF"/>
+                </a:highlight>
+                <a:latin typeface="Consolas" panose="020B0609020204030204" pitchFamily="49" charset="0"/>
+              </a:rPr>
+              <a:t> </a:t>
+            </a:r>
+            <a:r>
+              <a:rPr lang="de-DE" sz="1800" dirty="0">
+                <a:solidFill>
+                  <a:srgbClr val="0000FF"/>
+                </a:solidFill>
+                <a:highlight>
+                  <a:srgbClr val="FFFFFF"/>
+                </a:highlight>
+                <a:latin typeface="Consolas" panose="020B0609020204030204" pitchFamily="49" charset="0"/>
+              </a:rPr>
+              <a:t>TABLE</a:t>
+            </a:r>
+            <a:r>
+              <a:rPr lang="de-DE" sz="1800" dirty="0">
+                <a:solidFill>
+                  <a:srgbClr val="000000"/>
+                </a:solidFill>
+                <a:highlight>
+                  <a:srgbClr val="FFFFFF"/>
+                </a:highlight>
+                <a:latin typeface="Consolas" panose="020B0609020204030204" pitchFamily="49" charset="0"/>
+              </a:rPr>
+              <a:t> Bestellung </a:t>
+            </a:r>
+          </a:p>
+          <a:p>
+            <a:r>
+              <a:rPr lang="de-DE" sz="1800" dirty="0">
+                <a:solidFill>
+                  <a:srgbClr val="808080"/>
+                </a:solidFill>
+                <a:highlight>
+                  <a:srgbClr val="FFFFFF"/>
+                </a:highlight>
+                <a:latin typeface="Consolas" panose="020B0609020204030204" pitchFamily="49" charset="0"/>
+              </a:rPr>
+              <a:t>(</a:t>
+            </a:r>
+            <a:endParaRPr lang="de-DE" sz="1800" dirty="0">
+              <a:solidFill>
+                <a:srgbClr val="000000"/>
+              </a:solidFill>
+              <a:highlight>
+                <a:srgbClr val="FFFFFF"/>
+              </a:highlight>
+              <a:latin typeface="Consolas" panose="020B0609020204030204" pitchFamily="49" charset="0"/>
+            </a:endParaRPr>
+          </a:p>
+          <a:p>
+            <a:r>
+              <a:rPr lang="en-US" sz="1800" dirty="0" err="1">
+                <a:solidFill>
+                  <a:srgbClr val="000000"/>
+                </a:solidFill>
+                <a:highlight>
+                  <a:srgbClr val="FFFFFF"/>
+                </a:highlight>
+                <a:latin typeface="Consolas" panose="020B0609020204030204" pitchFamily="49" charset="0"/>
+              </a:rPr>
+              <a:t>Bestellnr</a:t>
+            </a:r>
+            <a:r>
+              <a:rPr lang="en-US" sz="1800" dirty="0">
+                <a:solidFill>
+                  <a:srgbClr val="000000"/>
+                </a:solidFill>
+                <a:highlight>
+                  <a:srgbClr val="FFFFFF"/>
+                </a:highlight>
+                <a:latin typeface="Consolas" panose="020B0609020204030204" pitchFamily="49" charset="0"/>
+              </a:rPr>
+              <a:t> </a:t>
+            </a:r>
+            <a:r>
+              <a:rPr lang="en-US" sz="1800" dirty="0" err="1">
+                <a:solidFill>
+                  <a:srgbClr val="0000FF"/>
+                </a:solidFill>
+                <a:highlight>
+                  <a:srgbClr val="FFFFFF"/>
+                </a:highlight>
+                <a:latin typeface="Consolas" panose="020B0609020204030204" pitchFamily="49" charset="0"/>
+              </a:rPr>
+              <a:t>int</a:t>
+            </a:r>
+            <a:r>
+              <a:rPr lang="en-US" sz="1800" dirty="0">
+                <a:solidFill>
+                  <a:srgbClr val="000000"/>
+                </a:solidFill>
+                <a:highlight>
+                  <a:srgbClr val="FFFFFF"/>
+                </a:highlight>
+                <a:latin typeface="Consolas" panose="020B0609020204030204" pitchFamily="49" charset="0"/>
+              </a:rPr>
+              <a:t> </a:t>
+            </a:r>
+            <a:r>
+              <a:rPr lang="en-US" sz="1800" dirty="0">
+                <a:solidFill>
+                  <a:srgbClr val="0000FF"/>
+                </a:solidFill>
+                <a:highlight>
+                  <a:srgbClr val="FFFFFF"/>
+                </a:highlight>
+                <a:latin typeface="Consolas" panose="020B0609020204030204" pitchFamily="49" charset="0"/>
+              </a:rPr>
+              <a:t>Primary</a:t>
+            </a:r>
+            <a:r>
+              <a:rPr lang="en-US" sz="1800" dirty="0">
+                <a:solidFill>
+                  <a:srgbClr val="000000"/>
+                </a:solidFill>
+                <a:highlight>
+                  <a:srgbClr val="FFFFFF"/>
+                </a:highlight>
+                <a:latin typeface="Consolas" panose="020B0609020204030204" pitchFamily="49" charset="0"/>
+              </a:rPr>
+              <a:t> </a:t>
+            </a:r>
+            <a:r>
+              <a:rPr lang="en-US" sz="1800" dirty="0">
+                <a:solidFill>
+                  <a:srgbClr val="0000FF"/>
+                </a:solidFill>
+                <a:highlight>
+                  <a:srgbClr val="FFFFFF"/>
+                </a:highlight>
+                <a:latin typeface="Consolas" panose="020B0609020204030204" pitchFamily="49" charset="0"/>
+              </a:rPr>
+              <a:t>Key</a:t>
+            </a:r>
+            <a:r>
+              <a:rPr lang="en-US" sz="1800" dirty="0">
+                <a:solidFill>
+                  <a:srgbClr val="000000"/>
+                </a:solidFill>
+                <a:highlight>
+                  <a:srgbClr val="FFFFFF"/>
+                </a:highlight>
+                <a:latin typeface="Consolas" panose="020B0609020204030204" pitchFamily="49" charset="0"/>
+              </a:rPr>
+              <a:t> </a:t>
+            </a:r>
+            <a:r>
+              <a:rPr lang="en-US" sz="1800" dirty="0">
+                <a:solidFill>
+                  <a:srgbClr val="0000FF"/>
+                </a:solidFill>
+                <a:highlight>
+                  <a:srgbClr val="FFFFFF"/>
+                </a:highlight>
+                <a:latin typeface="Consolas" panose="020B0609020204030204" pitchFamily="49" charset="0"/>
+              </a:rPr>
+              <a:t>NONCLUSTERED</a:t>
+            </a:r>
+            <a:r>
+              <a:rPr lang="en-US" sz="1800" dirty="0">
+                <a:solidFill>
+                  <a:srgbClr val="808080"/>
+                </a:solidFill>
+                <a:highlight>
+                  <a:srgbClr val="FFFFFF"/>
+                </a:highlight>
+                <a:latin typeface="Consolas" panose="020B0609020204030204" pitchFamily="49" charset="0"/>
+              </a:rPr>
+              <a:t>,</a:t>
+            </a:r>
+            <a:endParaRPr lang="en-US" sz="1800" dirty="0">
+              <a:solidFill>
+                <a:srgbClr val="000000"/>
+              </a:solidFill>
+              <a:highlight>
+                <a:srgbClr val="FFFFFF"/>
+              </a:highlight>
+              <a:latin typeface="Consolas" panose="020B0609020204030204" pitchFamily="49" charset="0"/>
+            </a:endParaRPr>
+          </a:p>
+          <a:p>
+            <a:r>
+              <a:rPr lang="de-DE" sz="1800" dirty="0">
+                <a:solidFill>
+                  <a:srgbClr val="000000"/>
+                </a:solidFill>
+                <a:highlight>
+                  <a:srgbClr val="FFFFFF"/>
+                </a:highlight>
+                <a:latin typeface="Consolas" panose="020B0609020204030204" pitchFamily="49" charset="0"/>
+              </a:rPr>
+              <a:t>Datum </a:t>
+            </a:r>
+            <a:r>
+              <a:rPr lang="de-DE" sz="1800" dirty="0" err="1">
+                <a:solidFill>
+                  <a:srgbClr val="0000FF"/>
+                </a:solidFill>
+                <a:highlight>
+                  <a:srgbClr val="FFFFFF"/>
+                </a:highlight>
+                <a:latin typeface="Consolas" panose="020B0609020204030204" pitchFamily="49" charset="0"/>
+              </a:rPr>
+              <a:t>date</a:t>
+            </a:r>
+            <a:r>
+              <a:rPr lang="de-DE" sz="1800" dirty="0">
+                <a:solidFill>
+                  <a:srgbClr val="808080"/>
+                </a:solidFill>
+                <a:highlight>
+                  <a:srgbClr val="FFFFFF"/>
+                </a:highlight>
+                <a:latin typeface="Consolas" panose="020B0609020204030204" pitchFamily="49" charset="0"/>
+              </a:rPr>
+              <a:t>,</a:t>
+            </a:r>
+            <a:endParaRPr lang="de-DE" sz="1800" dirty="0">
+              <a:solidFill>
+                <a:srgbClr val="000000"/>
+              </a:solidFill>
+              <a:highlight>
+                <a:srgbClr val="FFFFFF"/>
+              </a:highlight>
+              <a:latin typeface="Consolas" panose="020B0609020204030204" pitchFamily="49" charset="0"/>
+            </a:endParaRPr>
+          </a:p>
+          <a:p>
+            <a:r>
+              <a:rPr lang="de-DE" sz="1800" dirty="0">
+                <a:solidFill>
+                  <a:srgbClr val="000000"/>
+                </a:solidFill>
+                <a:highlight>
+                  <a:srgbClr val="FFFFFF"/>
+                </a:highlight>
+                <a:latin typeface="Consolas" panose="020B0609020204030204" pitchFamily="49" charset="0"/>
+              </a:rPr>
+              <a:t>Pos </a:t>
+            </a:r>
+            <a:r>
+              <a:rPr lang="de-DE" sz="1800" dirty="0" err="1">
+                <a:solidFill>
+                  <a:srgbClr val="0000FF"/>
+                </a:solidFill>
+                <a:highlight>
+                  <a:srgbClr val="FFFFFF"/>
+                </a:highlight>
+                <a:latin typeface="Consolas" panose="020B0609020204030204" pitchFamily="49" charset="0"/>
+              </a:rPr>
+              <a:t>int</a:t>
+            </a:r>
+            <a:r>
+              <a:rPr lang="de-DE" sz="1800" dirty="0">
+                <a:solidFill>
+                  <a:srgbClr val="808080"/>
+                </a:solidFill>
+                <a:highlight>
+                  <a:srgbClr val="FFFFFF"/>
+                </a:highlight>
+                <a:latin typeface="Consolas" panose="020B0609020204030204" pitchFamily="49" charset="0"/>
+              </a:rPr>
+              <a:t>,</a:t>
+            </a:r>
+            <a:endParaRPr lang="de-DE" sz="1800" dirty="0">
+              <a:solidFill>
+                <a:srgbClr val="000000"/>
+              </a:solidFill>
+              <a:highlight>
+                <a:srgbClr val="FFFFFF"/>
+              </a:highlight>
+              <a:latin typeface="Consolas" panose="020B0609020204030204" pitchFamily="49" charset="0"/>
+            </a:endParaRPr>
+          </a:p>
+          <a:p>
+            <a:r>
+              <a:rPr lang="de-DE" sz="1800" dirty="0" err="1">
+                <a:solidFill>
+                  <a:srgbClr val="000000"/>
+                </a:solidFill>
+                <a:highlight>
+                  <a:srgbClr val="FFFFFF"/>
+                </a:highlight>
+                <a:latin typeface="Consolas" panose="020B0609020204030204" pitchFamily="49" charset="0"/>
+              </a:rPr>
+              <a:t>Artnr</a:t>
+            </a:r>
+            <a:r>
+              <a:rPr lang="de-DE" sz="1800" dirty="0">
+                <a:solidFill>
+                  <a:srgbClr val="000000"/>
+                </a:solidFill>
+                <a:highlight>
+                  <a:srgbClr val="FFFFFF"/>
+                </a:highlight>
+                <a:latin typeface="Consolas" panose="020B0609020204030204" pitchFamily="49" charset="0"/>
+              </a:rPr>
+              <a:t> </a:t>
+            </a:r>
+            <a:r>
+              <a:rPr lang="de-DE" sz="1800" dirty="0" err="1">
+                <a:solidFill>
+                  <a:srgbClr val="0000FF"/>
+                </a:solidFill>
+                <a:highlight>
+                  <a:srgbClr val="FFFFFF"/>
+                </a:highlight>
+                <a:latin typeface="Consolas" panose="020B0609020204030204" pitchFamily="49" charset="0"/>
+              </a:rPr>
+              <a:t>int</a:t>
+            </a:r>
+            <a:r>
+              <a:rPr lang="de-DE" sz="1800" dirty="0">
+                <a:solidFill>
+                  <a:srgbClr val="808080"/>
+                </a:solidFill>
+                <a:highlight>
+                  <a:srgbClr val="FFFFFF"/>
+                </a:highlight>
+                <a:latin typeface="Consolas" panose="020B0609020204030204" pitchFamily="49" charset="0"/>
+              </a:rPr>
+              <a:t>,</a:t>
+            </a:r>
+            <a:endParaRPr lang="de-DE" sz="1800" dirty="0">
+              <a:solidFill>
+                <a:srgbClr val="000000"/>
+              </a:solidFill>
+              <a:highlight>
+                <a:srgbClr val="FFFFFF"/>
+              </a:highlight>
+              <a:latin typeface="Consolas" panose="020B0609020204030204" pitchFamily="49" charset="0"/>
+            </a:endParaRPr>
+          </a:p>
+          <a:p>
+            <a:r>
+              <a:rPr lang="de-DE" sz="1800" dirty="0" err="1">
+                <a:solidFill>
+                  <a:srgbClr val="000000"/>
+                </a:solidFill>
+                <a:highlight>
+                  <a:srgbClr val="FFFFFF"/>
+                </a:highlight>
+                <a:latin typeface="Consolas" panose="020B0609020204030204" pitchFamily="49" charset="0"/>
+              </a:rPr>
+              <a:t>Artbez</a:t>
+            </a:r>
+            <a:r>
+              <a:rPr lang="de-DE" sz="1800" dirty="0">
+                <a:solidFill>
+                  <a:srgbClr val="000000"/>
+                </a:solidFill>
+                <a:highlight>
+                  <a:srgbClr val="FFFFFF"/>
+                </a:highlight>
+                <a:latin typeface="Consolas" panose="020B0609020204030204" pitchFamily="49" charset="0"/>
+              </a:rPr>
+              <a:t> </a:t>
+            </a:r>
+            <a:r>
+              <a:rPr lang="de-DE" sz="1800" dirty="0" err="1">
+                <a:solidFill>
+                  <a:srgbClr val="0000FF"/>
+                </a:solidFill>
+                <a:highlight>
+                  <a:srgbClr val="FFFFFF"/>
+                </a:highlight>
+                <a:latin typeface="Consolas" panose="020B0609020204030204" pitchFamily="49" charset="0"/>
+              </a:rPr>
+              <a:t>varchar</a:t>
+            </a:r>
+            <a:r>
+              <a:rPr lang="de-DE" sz="1800" dirty="0">
+                <a:solidFill>
+                  <a:srgbClr val="808080"/>
+                </a:solidFill>
+                <a:highlight>
+                  <a:srgbClr val="FFFFFF"/>
+                </a:highlight>
+                <a:latin typeface="Consolas" panose="020B0609020204030204" pitchFamily="49" charset="0"/>
+              </a:rPr>
+              <a:t>,</a:t>
+            </a:r>
+            <a:endParaRPr lang="de-DE" sz="1800" dirty="0">
+              <a:solidFill>
+                <a:srgbClr val="000000"/>
+              </a:solidFill>
+              <a:highlight>
+                <a:srgbClr val="FFFFFF"/>
+              </a:highlight>
+              <a:latin typeface="Consolas" panose="020B0609020204030204" pitchFamily="49" charset="0"/>
+            </a:endParaRPr>
+          </a:p>
+          <a:p>
+            <a:r>
+              <a:rPr lang="de-DE" sz="1800" dirty="0">
+                <a:solidFill>
+                  <a:srgbClr val="000000"/>
+                </a:solidFill>
+                <a:highlight>
+                  <a:srgbClr val="FFFFFF"/>
+                </a:highlight>
+                <a:latin typeface="Consolas" panose="020B0609020204030204" pitchFamily="49" charset="0"/>
+              </a:rPr>
+              <a:t>Preis </a:t>
+            </a:r>
+            <a:r>
+              <a:rPr lang="de-DE" sz="1800" dirty="0" err="1">
+                <a:solidFill>
+                  <a:srgbClr val="0000FF"/>
+                </a:solidFill>
+                <a:highlight>
+                  <a:srgbClr val="FFFFFF"/>
+                </a:highlight>
+                <a:latin typeface="Consolas" panose="020B0609020204030204" pitchFamily="49" charset="0"/>
+              </a:rPr>
+              <a:t>int</a:t>
+            </a:r>
+            <a:r>
+              <a:rPr lang="de-DE" sz="1800" dirty="0">
+                <a:solidFill>
+                  <a:srgbClr val="808080"/>
+                </a:solidFill>
+                <a:highlight>
+                  <a:srgbClr val="FFFFFF"/>
+                </a:highlight>
+                <a:latin typeface="Consolas" panose="020B0609020204030204" pitchFamily="49" charset="0"/>
+              </a:rPr>
+              <a:t>,</a:t>
+            </a:r>
+            <a:endParaRPr lang="de-DE" sz="1800" dirty="0">
+              <a:solidFill>
+                <a:srgbClr val="000000"/>
+              </a:solidFill>
+              <a:highlight>
+                <a:srgbClr val="FFFFFF"/>
+              </a:highlight>
+              <a:latin typeface="Consolas" panose="020B0609020204030204" pitchFamily="49" charset="0"/>
+            </a:endParaRPr>
+          </a:p>
+          <a:p>
+            <a:r>
+              <a:rPr lang="de-DE" sz="1800" dirty="0" err="1">
+                <a:solidFill>
+                  <a:srgbClr val="000000"/>
+                </a:solidFill>
+                <a:highlight>
+                  <a:srgbClr val="FFFFFF"/>
+                </a:highlight>
+                <a:latin typeface="Consolas" panose="020B0609020204030204" pitchFamily="49" charset="0"/>
+              </a:rPr>
+              <a:t>Mwst</a:t>
+            </a:r>
+            <a:r>
+              <a:rPr lang="de-DE" sz="1800" dirty="0">
+                <a:solidFill>
+                  <a:srgbClr val="000000"/>
+                </a:solidFill>
+                <a:highlight>
+                  <a:srgbClr val="FFFFFF"/>
+                </a:highlight>
+                <a:latin typeface="Consolas" panose="020B0609020204030204" pitchFamily="49" charset="0"/>
+              </a:rPr>
+              <a:t> </a:t>
+            </a:r>
+            <a:r>
+              <a:rPr lang="de-DE" sz="1800" dirty="0" err="1">
+                <a:solidFill>
+                  <a:srgbClr val="0000FF"/>
+                </a:solidFill>
+                <a:highlight>
+                  <a:srgbClr val="FFFFFF"/>
+                </a:highlight>
+                <a:latin typeface="Consolas" panose="020B0609020204030204" pitchFamily="49" charset="0"/>
+              </a:rPr>
+              <a:t>int</a:t>
+            </a:r>
+            <a:r>
+              <a:rPr lang="de-DE" sz="1800" dirty="0">
+                <a:solidFill>
+                  <a:srgbClr val="808080"/>
+                </a:solidFill>
+                <a:highlight>
+                  <a:srgbClr val="FFFFFF"/>
+                </a:highlight>
+                <a:latin typeface="Consolas" panose="020B0609020204030204" pitchFamily="49" charset="0"/>
+              </a:rPr>
+              <a:t>,</a:t>
+            </a:r>
+            <a:endParaRPr lang="de-DE" sz="1800" dirty="0">
+              <a:solidFill>
+                <a:srgbClr val="000000"/>
+              </a:solidFill>
+              <a:highlight>
+                <a:srgbClr val="FFFFFF"/>
+              </a:highlight>
+              <a:latin typeface="Consolas" panose="020B0609020204030204" pitchFamily="49" charset="0"/>
+            </a:endParaRPr>
+          </a:p>
+          <a:p>
+            <a:r>
+              <a:rPr lang="de-DE" sz="1800" dirty="0">
+                <a:solidFill>
+                  <a:srgbClr val="000000"/>
+                </a:solidFill>
+                <a:highlight>
+                  <a:srgbClr val="FFFFFF"/>
+                </a:highlight>
+                <a:latin typeface="Consolas" panose="020B0609020204030204" pitchFamily="49" charset="0"/>
+              </a:rPr>
+              <a:t>Menge </a:t>
+            </a:r>
+            <a:r>
+              <a:rPr lang="de-DE" sz="1800" dirty="0" err="1">
+                <a:solidFill>
+                  <a:srgbClr val="0000FF"/>
+                </a:solidFill>
+                <a:highlight>
+                  <a:srgbClr val="FFFFFF"/>
+                </a:highlight>
+                <a:latin typeface="Consolas" panose="020B0609020204030204" pitchFamily="49" charset="0"/>
+              </a:rPr>
+              <a:t>int</a:t>
+            </a:r>
+            <a:r>
+              <a:rPr lang="de-DE" sz="1800" dirty="0">
+                <a:solidFill>
+                  <a:srgbClr val="808080"/>
+                </a:solidFill>
+                <a:highlight>
+                  <a:srgbClr val="FFFFFF"/>
+                </a:highlight>
+                <a:latin typeface="Consolas" panose="020B0609020204030204" pitchFamily="49" charset="0"/>
+              </a:rPr>
+              <a:t>,</a:t>
+            </a:r>
+            <a:endParaRPr lang="de-DE" sz="1800" dirty="0">
+              <a:solidFill>
+                <a:srgbClr val="000000"/>
+              </a:solidFill>
+              <a:highlight>
+                <a:srgbClr val="FFFFFF"/>
+              </a:highlight>
+              <a:latin typeface="Consolas" panose="020B0609020204030204" pitchFamily="49" charset="0"/>
+            </a:endParaRPr>
+          </a:p>
+          <a:p>
+            <a:r>
+              <a:rPr lang="de-DE" sz="1800" dirty="0" err="1">
+                <a:solidFill>
+                  <a:srgbClr val="000000"/>
+                </a:solidFill>
+                <a:highlight>
+                  <a:srgbClr val="FFFFFF"/>
+                </a:highlight>
+                <a:latin typeface="Consolas" panose="020B0609020204030204" pitchFamily="49" charset="0"/>
+              </a:rPr>
+              <a:t>RabatMenge</a:t>
+            </a:r>
+            <a:r>
+              <a:rPr lang="de-DE" sz="1800" dirty="0">
+                <a:solidFill>
+                  <a:srgbClr val="000000"/>
+                </a:solidFill>
+                <a:highlight>
+                  <a:srgbClr val="FFFFFF"/>
+                </a:highlight>
+                <a:latin typeface="Consolas" panose="020B0609020204030204" pitchFamily="49" charset="0"/>
+              </a:rPr>
+              <a:t> </a:t>
+            </a:r>
+            <a:r>
+              <a:rPr lang="de-DE" sz="1800" dirty="0" err="1">
+                <a:solidFill>
+                  <a:srgbClr val="0000FF"/>
+                </a:solidFill>
+                <a:highlight>
+                  <a:srgbClr val="FFFFFF"/>
+                </a:highlight>
+                <a:latin typeface="Consolas" panose="020B0609020204030204" pitchFamily="49" charset="0"/>
+              </a:rPr>
+              <a:t>int</a:t>
+            </a:r>
+            <a:r>
+              <a:rPr lang="de-DE" sz="1800" dirty="0">
+                <a:solidFill>
+                  <a:srgbClr val="808080"/>
+                </a:solidFill>
+                <a:highlight>
+                  <a:srgbClr val="FFFFFF"/>
+                </a:highlight>
+                <a:latin typeface="Consolas" panose="020B0609020204030204" pitchFamily="49" charset="0"/>
+              </a:rPr>
+              <a:t>,</a:t>
+            </a:r>
+            <a:endParaRPr lang="de-DE" sz="1800" dirty="0">
+              <a:solidFill>
+                <a:srgbClr val="000000"/>
+              </a:solidFill>
+              <a:highlight>
+                <a:srgbClr val="FFFFFF"/>
+              </a:highlight>
+              <a:latin typeface="Consolas" panose="020B0609020204030204" pitchFamily="49" charset="0"/>
+            </a:endParaRPr>
+          </a:p>
+          <a:p>
+            <a:r>
+              <a:rPr lang="de-DE" sz="1800" dirty="0" err="1">
+                <a:solidFill>
+                  <a:srgbClr val="000000"/>
+                </a:solidFill>
+                <a:highlight>
+                  <a:srgbClr val="FFFFFF"/>
+                </a:highlight>
+                <a:latin typeface="Consolas" panose="020B0609020204030204" pitchFamily="49" charset="0"/>
+              </a:rPr>
+              <a:t>BetragGesamt</a:t>
+            </a:r>
+            <a:r>
+              <a:rPr lang="de-DE" sz="1800" dirty="0">
+                <a:solidFill>
+                  <a:srgbClr val="000000"/>
+                </a:solidFill>
+                <a:highlight>
+                  <a:srgbClr val="FFFFFF"/>
+                </a:highlight>
+                <a:latin typeface="Consolas" panose="020B0609020204030204" pitchFamily="49" charset="0"/>
+              </a:rPr>
+              <a:t> </a:t>
+            </a:r>
+            <a:r>
+              <a:rPr lang="de-DE" sz="1800" dirty="0" err="1">
+                <a:solidFill>
+                  <a:srgbClr val="0000FF"/>
+                </a:solidFill>
+                <a:highlight>
+                  <a:srgbClr val="FFFFFF"/>
+                </a:highlight>
+                <a:latin typeface="Consolas" panose="020B0609020204030204" pitchFamily="49" charset="0"/>
+              </a:rPr>
+              <a:t>int</a:t>
+            </a:r>
+            <a:r>
+              <a:rPr lang="de-DE" sz="1800" dirty="0">
+                <a:solidFill>
+                  <a:srgbClr val="808080"/>
+                </a:solidFill>
+                <a:highlight>
+                  <a:srgbClr val="FFFFFF"/>
+                </a:highlight>
+                <a:latin typeface="Consolas" panose="020B0609020204030204" pitchFamily="49" charset="0"/>
+              </a:rPr>
+              <a:t>,</a:t>
+            </a:r>
+            <a:endParaRPr lang="de-DE" sz="1800" dirty="0">
+              <a:solidFill>
+                <a:srgbClr val="000000"/>
+              </a:solidFill>
+              <a:highlight>
+                <a:srgbClr val="FFFFFF"/>
+              </a:highlight>
+              <a:latin typeface="Consolas" panose="020B0609020204030204" pitchFamily="49" charset="0"/>
+            </a:endParaRPr>
+          </a:p>
+          <a:p>
+            <a:r>
+              <a:rPr lang="de-DE" sz="1800" dirty="0" err="1">
+                <a:solidFill>
+                  <a:srgbClr val="000000"/>
+                </a:solidFill>
+                <a:highlight>
+                  <a:srgbClr val="FFFFFF"/>
+                </a:highlight>
+                <a:latin typeface="Consolas" panose="020B0609020204030204" pitchFamily="49" charset="0"/>
+              </a:rPr>
+              <a:t>RabatKunde</a:t>
+            </a:r>
+            <a:r>
+              <a:rPr lang="de-DE" sz="1800" dirty="0">
+                <a:solidFill>
+                  <a:srgbClr val="000000"/>
+                </a:solidFill>
+                <a:highlight>
+                  <a:srgbClr val="FFFFFF"/>
+                </a:highlight>
+                <a:latin typeface="Consolas" panose="020B0609020204030204" pitchFamily="49" charset="0"/>
+              </a:rPr>
+              <a:t> </a:t>
+            </a:r>
+            <a:r>
+              <a:rPr lang="de-DE" sz="1800" dirty="0" err="1">
+                <a:solidFill>
+                  <a:srgbClr val="0000FF"/>
+                </a:solidFill>
+                <a:highlight>
+                  <a:srgbClr val="FFFFFF"/>
+                </a:highlight>
+                <a:latin typeface="Consolas" panose="020B0609020204030204" pitchFamily="49" charset="0"/>
+              </a:rPr>
+              <a:t>int</a:t>
+            </a:r>
+            <a:r>
+              <a:rPr lang="de-DE" sz="1800" dirty="0">
+                <a:solidFill>
+                  <a:srgbClr val="808080"/>
+                </a:solidFill>
+                <a:highlight>
+                  <a:srgbClr val="FFFFFF"/>
+                </a:highlight>
+                <a:latin typeface="Consolas" panose="020B0609020204030204" pitchFamily="49" charset="0"/>
+              </a:rPr>
+              <a:t>,</a:t>
+            </a:r>
+            <a:endParaRPr lang="de-DE" sz="1800" dirty="0">
+              <a:solidFill>
+                <a:srgbClr val="000000"/>
+              </a:solidFill>
+              <a:highlight>
+                <a:srgbClr val="FFFFFF"/>
+              </a:highlight>
+              <a:latin typeface="Consolas" panose="020B0609020204030204" pitchFamily="49" charset="0"/>
+            </a:endParaRPr>
+          </a:p>
+          <a:p>
+            <a:r>
+              <a:rPr lang="de-DE" sz="1800" dirty="0" err="1">
+                <a:solidFill>
+                  <a:srgbClr val="000000"/>
+                </a:solidFill>
+                <a:highlight>
+                  <a:srgbClr val="FFFFFF"/>
+                </a:highlight>
+                <a:latin typeface="Consolas" panose="020B0609020204030204" pitchFamily="49" charset="0"/>
+              </a:rPr>
+              <a:t>MwstGesamt</a:t>
+            </a:r>
+            <a:r>
+              <a:rPr lang="de-DE" sz="1800" dirty="0">
+                <a:solidFill>
+                  <a:srgbClr val="000000"/>
+                </a:solidFill>
+                <a:highlight>
+                  <a:srgbClr val="FFFFFF"/>
+                </a:highlight>
+                <a:latin typeface="Consolas" panose="020B0609020204030204" pitchFamily="49" charset="0"/>
+              </a:rPr>
+              <a:t> </a:t>
+            </a:r>
+            <a:r>
+              <a:rPr lang="de-DE" sz="1800" dirty="0" err="1">
+                <a:solidFill>
+                  <a:srgbClr val="0000FF"/>
+                </a:solidFill>
+                <a:highlight>
+                  <a:srgbClr val="FFFFFF"/>
+                </a:highlight>
+                <a:latin typeface="Consolas" panose="020B0609020204030204" pitchFamily="49" charset="0"/>
+              </a:rPr>
+              <a:t>int</a:t>
+            </a:r>
+            <a:r>
+              <a:rPr lang="de-DE" sz="1800" dirty="0">
+                <a:solidFill>
+                  <a:srgbClr val="808080"/>
+                </a:solidFill>
+                <a:highlight>
+                  <a:srgbClr val="FFFFFF"/>
+                </a:highlight>
+                <a:latin typeface="Consolas" panose="020B0609020204030204" pitchFamily="49" charset="0"/>
+              </a:rPr>
+              <a:t>,</a:t>
+            </a:r>
+            <a:endParaRPr lang="de-DE" sz="1800" dirty="0">
+              <a:solidFill>
+                <a:srgbClr val="000000"/>
+              </a:solidFill>
+              <a:highlight>
+                <a:srgbClr val="FFFFFF"/>
+              </a:highlight>
+              <a:latin typeface="Consolas" panose="020B0609020204030204" pitchFamily="49" charset="0"/>
+            </a:endParaRPr>
+          </a:p>
+          <a:p>
+            <a:r>
+              <a:rPr lang="de-DE" sz="1800" dirty="0" err="1">
+                <a:solidFill>
+                  <a:srgbClr val="000000"/>
+                </a:solidFill>
+                <a:highlight>
+                  <a:srgbClr val="FFFFFF"/>
+                </a:highlight>
+                <a:latin typeface="Consolas" panose="020B0609020204030204" pitchFamily="49" charset="0"/>
+              </a:rPr>
+              <a:t>Kunnr</a:t>
+            </a:r>
+            <a:r>
+              <a:rPr lang="de-DE" sz="1800" dirty="0">
+                <a:solidFill>
+                  <a:srgbClr val="000000"/>
+                </a:solidFill>
+                <a:highlight>
+                  <a:srgbClr val="FFFFFF"/>
+                </a:highlight>
+                <a:latin typeface="Consolas" panose="020B0609020204030204" pitchFamily="49" charset="0"/>
+              </a:rPr>
+              <a:t> </a:t>
+            </a:r>
+            <a:r>
+              <a:rPr lang="de-DE" sz="1800" dirty="0" err="1">
+                <a:solidFill>
+                  <a:srgbClr val="0000FF"/>
+                </a:solidFill>
+                <a:highlight>
+                  <a:srgbClr val="FFFFFF"/>
+                </a:highlight>
+                <a:latin typeface="Consolas" panose="020B0609020204030204" pitchFamily="49" charset="0"/>
+              </a:rPr>
+              <a:t>int</a:t>
+            </a:r>
+            <a:r>
+              <a:rPr lang="de-DE" sz="1800" dirty="0">
+                <a:solidFill>
+                  <a:srgbClr val="808080"/>
+                </a:solidFill>
+                <a:highlight>
+                  <a:srgbClr val="FFFFFF"/>
+                </a:highlight>
+                <a:latin typeface="Consolas" panose="020B0609020204030204" pitchFamily="49" charset="0"/>
+              </a:rPr>
+              <a:t>,</a:t>
+            </a:r>
+            <a:endParaRPr lang="de-DE" sz="1800" dirty="0">
+              <a:solidFill>
+                <a:srgbClr val="000000"/>
+              </a:solidFill>
+              <a:highlight>
+                <a:srgbClr val="FFFFFF"/>
+              </a:highlight>
+              <a:latin typeface="Consolas" panose="020B0609020204030204" pitchFamily="49" charset="0"/>
+            </a:endParaRPr>
+          </a:p>
+          <a:p>
+            <a:r>
+              <a:rPr lang="de-DE" sz="1800" dirty="0">
+                <a:solidFill>
+                  <a:srgbClr val="000000"/>
+                </a:solidFill>
+                <a:highlight>
+                  <a:srgbClr val="FFFFFF"/>
+                </a:highlight>
+                <a:latin typeface="Consolas" panose="020B0609020204030204" pitchFamily="49" charset="0"/>
+              </a:rPr>
+              <a:t>Eilauftrag </a:t>
+            </a:r>
+            <a:r>
+              <a:rPr lang="de-DE" sz="1800" dirty="0" err="1">
+                <a:solidFill>
+                  <a:srgbClr val="0000FF"/>
+                </a:solidFill>
+                <a:highlight>
+                  <a:srgbClr val="FFFFFF"/>
+                </a:highlight>
+                <a:latin typeface="Consolas" panose="020B0609020204030204" pitchFamily="49" charset="0"/>
+              </a:rPr>
+              <a:t>int</a:t>
+            </a:r>
+            <a:endParaRPr lang="de-DE" sz="1800" dirty="0">
+              <a:solidFill>
+                <a:srgbClr val="000000"/>
+              </a:solidFill>
+              <a:highlight>
+                <a:srgbClr val="FFFFFF"/>
+              </a:highlight>
+              <a:latin typeface="Consolas" panose="020B0609020204030204" pitchFamily="49" charset="0"/>
+            </a:endParaRPr>
+          </a:p>
+          <a:p>
+            <a:r>
+              <a:rPr lang="de-DE" sz="1800" dirty="0">
+                <a:solidFill>
+                  <a:srgbClr val="808080"/>
+                </a:solidFill>
+                <a:highlight>
+                  <a:srgbClr val="FFFFFF"/>
+                </a:highlight>
+                <a:latin typeface="Consolas" panose="020B0609020204030204" pitchFamily="49" charset="0"/>
+              </a:rPr>
+              <a:t>)</a:t>
+            </a:r>
+            <a:r>
+              <a:rPr lang="de-DE" sz="1800" dirty="0">
+                <a:solidFill>
+                  <a:srgbClr val="000000"/>
+                </a:solidFill>
+                <a:highlight>
+                  <a:srgbClr val="FFFFFF"/>
+                </a:highlight>
+                <a:latin typeface="Consolas" panose="020B0609020204030204" pitchFamily="49" charset="0"/>
+              </a:rPr>
+              <a:t> </a:t>
+            </a:r>
+            <a:r>
+              <a:rPr lang="de-DE" sz="1800" dirty="0">
+                <a:solidFill>
+                  <a:srgbClr val="0000FF"/>
+                </a:solidFill>
+                <a:highlight>
+                  <a:srgbClr val="FFFFFF"/>
+                </a:highlight>
+                <a:latin typeface="Consolas" panose="020B0609020204030204" pitchFamily="49" charset="0"/>
+              </a:rPr>
+              <a:t>WITH </a:t>
+            </a:r>
+            <a:r>
+              <a:rPr lang="de-DE" sz="1800" dirty="0">
+                <a:solidFill>
+                  <a:srgbClr val="808080"/>
+                </a:solidFill>
+                <a:highlight>
+                  <a:srgbClr val="FFFFFF"/>
+                </a:highlight>
+                <a:latin typeface="Consolas" panose="020B0609020204030204" pitchFamily="49" charset="0"/>
+              </a:rPr>
+              <a:t>(</a:t>
+            </a:r>
+            <a:r>
+              <a:rPr lang="de-DE" sz="1800" dirty="0">
+                <a:solidFill>
+                  <a:srgbClr val="0000FF"/>
+                </a:solidFill>
+                <a:highlight>
+                  <a:srgbClr val="FFFFFF"/>
+                </a:highlight>
+                <a:latin typeface="Consolas" panose="020B0609020204030204" pitchFamily="49" charset="0"/>
+              </a:rPr>
+              <a:t>MEMORY_OPTIMIZED</a:t>
+            </a:r>
+            <a:r>
+              <a:rPr lang="de-DE" sz="1800" dirty="0">
+                <a:solidFill>
+                  <a:srgbClr val="808080"/>
+                </a:solidFill>
+                <a:highlight>
+                  <a:srgbClr val="FFFFFF"/>
+                </a:highlight>
+                <a:latin typeface="Consolas" panose="020B0609020204030204" pitchFamily="49" charset="0"/>
+              </a:rPr>
+              <a:t>=</a:t>
+            </a:r>
+            <a:r>
+              <a:rPr lang="de-DE" sz="1800" dirty="0">
+                <a:solidFill>
+                  <a:srgbClr val="0000FF"/>
+                </a:solidFill>
+                <a:highlight>
+                  <a:srgbClr val="FFFFFF"/>
+                </a:highlight>
+                <a:latin typeface="Consolas" panose="020B0609020204030204" pitchFamily="49" charset="0"/>
+              </a:rPr>
+              <a:t>ON</a:t>
+            </a:r>
+            <a:r>
+              <a:rPr lang="de-DE" sz="1800" dirty="0">
+                <a:solidFill>
+                  <a:srgbClr val="808080"/>
+                </a:solidFill>
+                <a:highlight>
+                  <a:srgbClr val="FFFFFF"/>
+                </a:highlight>
+                <a:latin typeface="Consolas" panose="020B0609020204030204" pitchFamily="49" charset="0"/>
+              </a:rPr>
+              <a:t>)</a:t>
+            </a:r>
+            <a:endParaRPr lang="de-DE" sz="1800" dirty="0"/>
+          </a:p>
+        </p:txBody>
+      </p:sp>
+    </p:spTree>
+    <p:extLst>
+      <p:ext uri="{BB962C8B-B14F-4D97-AF65-F5344CB8AC3E}">
+        <p14:creationId xmlns:p14="http://schemas.microsoft.com/office/powerpoint/2010/main" val="3540918130"/>
+      </p:ext>
+    </p:extLst>
+  </p:cSld>
+  <p:clrMapOvr>
+    <a:masterClrMapping/>
+  </p:clrMapOvr>
+</p:sld>
+</file>
+
+<file path=ppt/slides/slide7.xml><?xml version="1.0" encoding="utf-8"?>
+<p:sld xmlns:a="http://schemas.openxmlformats.org/drawingml/2006/main" xmlns:r="http://schemas.openxmlformats.org/officeDocument/2006/relationships" xmlns:p="http://schemas.openxmlformats.org/presentationml/2006/main">
+  <p:cSld>
+    <p:spTree>
+      <p:nvGrpSpPr>
+        <p:cNvPr id="1" name=""/>
+        <p:cNvGrpSpPr/>
+        <p:nvPr/>
+      </p:nvGrpSpPr>
+      <p:grpSpPr>
+        <a:xfrm>
+          <a:off x="0" y="0"/>
+          <a:ext cx="0" cy="0"/>
+          <a:chOff x="0" y="0"/>
+          <a:chExt cx="0" cy="0"/>
+        </a:xfrm>
+      </p:grpSpPr>
+      <p:sp>
+        <p:nvSpPr>
+          <p:cNvPr id="3" name="Titel 2"/>
+          <p:cNvSpPr>
+            <a:spLocks noGrp="1"/>
+          </p:cNvSpPr>
+          <p:nvPr>
+            <p:ph type="title"/>
+          </p:nvPr>
+        </p:nvSpPr>
+        <p:spPr/>
+        <p:txBody>
+          <a:bodyPr/>
+          <a:lstStyle/>
+          <a:p>
+            <a:r>
+              <a:rPr lang="de-DE" dirty="0" err="1"/>
+              <a:t>Ms</a:t>
+            </a:r>
+            <a:r>
+              <a:rPr lang="de-DE" dirty="0"/>
+              <a:t> </a:t>
+            </a:r>
+            <a:r>
+              <a:rPr lang="de-DE" dirty="0" err="1"/>
+              <a:t>Sql</a:t>
+            </a:r>
+            <a:r>
+              <a:rPr lang="de-DE" dirty="0"/>
               <a:t> – Tabellen einrichten 2</a:t>
             </a:r>
           </a:p>
@@ -4973,7 +5066,7 @@
           <a:p>
             <a:pPr lvl="0"/>
             <a:r>
-              <a:rPr lang="de-DE" altLang="de-DE" sz="1800" dirty="0" smtClean="0">
+              <a:rPr lang="de-DE" altLang="de-DE" sz="1800" dirty="0">
                 <a:solidFill>
                   <a:srgbClr val="0000FF"/>
                 </a:solidFill>
@@ -4984,7 +5077,7 @@
               <a:t>... Primary</a:t>
             </a:r>
             <a:r>
-              <a:rPr lang="de-DE" altLang="de-DE" sz="1800" dirty="0" smtClean="0">
+              <a:rPr lang="de-DE" altLang="de-DE" sz="1800" dirty="0">
                 <a:solidFill>
                   <a:srgbClr val="000000"/>
                 </a:solidFill>
@@ -5017,15 +5110,6 @@
               </a:rPr>
               <a:t>NONCLUSTERED </a:t>
             </a:r>
-            <a:endParaRPr lang="de-DE" sz="1800" dirty="0" smtClean="0">
-              <a:solidFill>
-                <a:srgbClr val="0000FF"/>
-              </a:solidFill>
-              <a:highlight>
-                <a:srgbClr val="FFFFFF"/>
-              </a:highlight>
-              <a:latin typeface="Consolas" panose="020B0609020204030204" pitchFamily="49" charset="0"/>
-            </a:endParaRPr>
           </a:p>
           <a:p>
             <a:pPr marL="285750" lvl="0" indent="-285750">
@@ -5033,7 +5117,7 @@
               <a:buChar char="•"/>
             </a:pPr>
             <a:r>
-              <a:rPr lang="de-DE" altLang="de-DE" sz="1800" dirty="0" smtClean="0">
+              <a:rPr lang="de-DE" altLang="de-DE" sz="1800" dirty="0">
                 <a:latin typeface="+mn-lt"/>
                 <a:cs typeface="Consolas" panose="020B0609020204030204" pitchFamily="49" charset="0"/>
               </a:rPr>
@@ -5056,7 +5140,7 @@
           </a:p>
           <a:p>
             <a:pPr lvl="0"/>
-            <a:endParaRPr lang="de-DE" altLang="de-DE" sz="1800" dirty="0" smtClean="0">
+            <a:endParaRPr lang="de-DE" altLang="de-DE" sz="1800" dirty="0">
               <a:solidFill>
                 <a:srgbClr val="808080"/>
               </a:solidFill>
@@ -5066,7 +5150,7 @@
           </a:p>
           <a:p>
             <a:pPr lvl="0"/>
-            <a:endParaRPr lang="de-DE" altLang="de-DE" sz="1800" dirty="0" smtClean="0">
+            <a:endParaRPr lang="de-DE" altLang="de-DE" sz="1800" dirty="0">
               <a:solidFill>
                 <a:srgbClr val="808080"/>
               </a:solidFill>
@@ -5159,15 +5243,6 @@
               </a:rPr>
               <a:t> </a:t>
             </a:r>
-            <a:endParaRPr lang="de-DE" sz="1800" dirty="0" smtClean="0">
-              <a:solidFill>
-                <a:srgbClr val="000000"/>
-              </a:solidFill>
-              <a:highlight>
-                <a:srgbClr val="FFFFFF"/>
-              </a:highlight>
-              <a:latin typeface="Consolas" panose="020B0609020204030204" pitchFamily="49" charset="0"/>
-            </a:endParaRPr>
           </a:p>
           <a:p>
             <a:pPr marL="285750" indent="-285750">
@@ -5175,7 +5250,7 @@
               <a:buChar char="•"/>
             </a:pPr>
             <a:r>
-              <a:rPr kumimoji="0" lang="de-DE" altLang="de-DE" sz="1800" b="0" i="0" u="none" strike="noStrike" cap="none" normalizeH="0" baseline="0" dirty="0" smtClean="0">
+              <a:rPr kumimoji="0" lang="de-DE" altLang="de-DE" sz="1800" b="0" i="0" u="none" strike="noStrike" cap="none" normalizeH="0" baseline="0" dirty="0">
                 <a:ln>
                   <a:noFill/>
                 </a:ln>
@@ -5186,7 +5261,7 @@
               <a:t>Definiert die</a:t>
             </a:r>
             <a:r>
-              <a:rPr kumimoji="0" lang="de-DE" altLang="de-DE" sz="1800" b="0" i="0" u="none" strike="noStrike" cap="none" normalizeH="0" dirty="0" smtClean="0">
+              <a:rPr kumimoji="0" lang="de-DE" altLang="de-DE" sz="1800" b="0" i="0" u="none" strike="noStrike" cap="none" normalizeH="0" dirty="0">
                 <a:ln>
                   <a:noFill/>
                 </a:ln>
@@ -5196,7 +5271,7 @@
               </a:rPr>
               <a:t> Tabelle als speicheroptimiert</a:t>
             </a:r>
-            <a:endParaRPr kumimoji="0" lang="de-DE" altLang="de-DE" sz="1800" b="0" i="0" u="none" strike="noStrike" cap="none" normalizeH="0" baseline="0" dirty="0" smtClean="0">
+            <a:endParaRPr kumimoji="0" lang="de-DE" altLang="de-DE" sz="1800" b="0" i="0" u="none" strike="noStrike" cap="none" normalizeH="0" baseline="0" dirty="0">
               <a:ln>
                 <a:noFill/>
               </a:ln>
@@ -5207,7 +5282,7 @@
           </a:p>
           <a:p>
             <a:pPr lvl="0"/>
-            <a:endParaRPr lang="de-DE" altLang="de-DE" sz="1800" dirty="0" smtClean="0">
+            <a:endParaRPr lang="de-DE" altLang="de-DE" sz="1800" dirty="0">
               <a:solidFill>
                 <a:srgbClr val="808080"/>
               </a:solidFill>
@@ -5244,7 +5319,7 @@
 </p:sld>
 </file>
 
-<file path=ppt/slides/slide7.xml><?xml version="1.0" encoding="utf-8"?>
+<file path=ppt/slides/slide8.xml><?xml version="1.0" encoding="utf-8"?>
 <p:sld xmlns:a="http://schemas.openxmlformats.org/drawingml/2006/main" xmlns:r="http://schemas.openxmlformats.org/officeDocument/2006/relationships" xmlns:p="http://schemas.openxmlformats.org/presentationml/2006/main">
   <p:cSld>
     <p:spTree>
@@ -5302,13 +5377,8 @@
             </a:r>
             <a:r>
               <a:rPr lang="de-DE" dirty="0"/>
-              <a:t> – </a:t>
-            </a:r>
-            <a:r>
-              <a:rPr lang="de-DE" dirty="0" smtClean="0"/>
-              <a:t>Datenbankschema</a:t>
-            </a:r>
-            <a:endParaRPr lang="de-DE" dirty="0"/>
+              <a:t> – Datenbankschema</a:t>
+            </a:r>
           </a:p>
         </p:txBody>
       </p:sp>
@@ -5355,7 +5425,7 @@
 </p:sld>
 </file>
 
-<file path=ppt/slides/slide8.xml><?xml version="1.0" encoding="utf-8"?>
+<file path=ppt/slides/slide9.xml><?xml version="1.0" encoding="utf-8"?>
 <p:sld xmlns:a="http://schemas.openxmlformats.org/drawingml/2006/main" xmlns:r="http://schemas.openxmlformats.org/officeDocument/2006/relationships" xmlns:p="http://schemas.openxmlformats.org/presentationml/2006/main">
   <p:cSld>
     <p:spTree>
@@ -5401,13 +5471,8 @@
             </a:r>
             <a:r>
               <a:rPr lang="de-DE" dirty="0"/>
-              <a:t> – </a:t>
-            </a:r>
-            <a:r>
-              <a:rPr lang="de-DE" dirty="0" smtClean="0"/>
-              <a:t>Füllen der Tabellen</a:t>
-            </a:r>
-            <a:endParaRPr lang="de-DE" dirty="0"/>
+              <a:t> – Füllen der Tabellen</a:t>
+            </a:r>
           </a:p>
         </p:txBody>
       </p:sp>
@@ -5517,21 +5582,21 @@
               <a:tabLst/>
             </a:pPr>
             <a:r>
-              <a:rPr lang="de-DE" altLang="de-DE" sz="1800" dirty="0" smtClean="0">
+              <a:rPr lang="de-DE" altLang="de-DE" sz="1800" dirty="0">
                 <a:latin typeface="+mn-lt"/>
                 <a:cs typeface="Consolas" panose="020B0609020204030204" pitchFamily="49" charset="0"/>
               </a:rPr>
               <a:t>Tabellen wurden unter Zuhilfenahme von „</a:t>
             </a:r>
             <a:r>
-              <a:rPr lang="de-DE" altLang="de-DE" sz="1800" dirty="0" err="1" smtClean="0">
+              <a:rPr lang="de-DE" altLang="de-DE" sz="1800" dirty="0" err="1">
                 <a:latin typeface="+mn-lt"/>
                 <a:cs typeface="Consolas" panose="020B0609020204030204" pitchFamily="49" charset="0"/>
               </a:rPr>
               <a:t>dbForge</a:t>
             </a:r>
             <a:r>
-              <a:rPr lang="de-DE" altLang="de-DE" sz="1800" dirty="0" smtClean="0">
+              <a:rPr lang="de-DE" altLang="de-DE" sz="1800" dirty="0">
                 <a:latin typeface="+mn-lt"/>
                 <a:cs typeface="Consolas" panose="020B0609020204030204" pitchFamily="49" charset="0"/>
               </a:rPr>
@@ -5556,13 +5621,13 @@
               <a:tabLst/>
             </a:pPr>
             <a:r>
-              <a:rPr lang="de-DE" altLang="de-DE" sz="1800" dirty="0" smtClean="0">
+              <a:rPr lang="de-DE" altLang="de-DE" sz="1800" dirty="0">
                 <a:latin typeface="+mn-lt"/>
                 <a:cs typeface="Consolas" panose="020B0609020204030204" pitchFamily="49" charset="0"/>
               </a:rPr>
               <a:t>1000000 Zeilen wurden pro Tabellen eingefügt</a:t>
             </a:r>
-            <a:endParaRPr kumimoji="0" lang="de-DE" altLang="de-DE" sz="1800" b="0" i="0" u="none" strike="noStrike" cap="none" normalizeH="0" baseline="0" dirty="0" smtClean="0">
+            <a:endParaRPr kumimoji="0" lang="de-DE" altLang="de-DE" sz="1800" b="0" i="0" u="none" strike="noStrike" cap="none" normalizeH="0" baseline="0" dirty="0">
               <a:ln>
                 <a:noFill/>
               </a:ln>
@@ -5595,10 +5660,9 @@
           <a:lstStyle/>
           <a:p>
             <a:r>
-              <a:rPr lang="de-DE" dirty="0" smtClean="0"/>
+              <a:rPr lang="de-DE" dirty="0"/>
               <a:t>Quelle1</a:t>
             </a:r>
-            <a:endParaRPr lang="de-DE" dirty="0"/>
           </a:p>
         </p:txBody>
       </p:sp>
@@ -5606,135 +5670,6 @@
     <p:extLst>
       <p:ext uri="{BB962C8B-B14F-4D97-AF65-F5344CB8AC3E}">
         <p14:creationId xmlns:p14="http://schemas.microsoft.com/office/powerpoint/2010/main" val="3716811313"/>
-      </p:ext>
-    </p:extLst>
-  </p:cSld>
-  <p:clrMapOvr>
-    <a:masterClrMapping/>
-  </p:clrMapOvr>
-</p:sld>
-</file>
-
-<file path=ppt/slides/slide9.xml><?xml version="1.0" encoding="utf-8"?>
-<p:sld xmlns:a="http://schemas.openxmlformats.org/drawingml/2006/main" xmlns:r="http://schemas.openxmlformats.org/officeDocument/2006/relationships" xmlns:p="http://schemas.openxmlformats.org/presentationml/2006/main">
-  <p:cSld>
-    <p:spTree>
-      <p:nvGrpSpPr>
-        <p:cNvPr id="1" name=""/>
-        <p:cNvGrpSpPr/>
-        <p:nvPr/>
-      </p:nvGrpSpPr>
-      <p:grpSpPr>
-        <a:xfrm>
-          <a:off x="0" y="0"/>
-          <a:ext cx="0" cy="0"/>
-          <a:chOff x="0" y="0"/>
-          <a:chExt cx="0" cy="0"/>
-        </a:xfrm>
-      </p:grpSpPr>
-      <p:sp>
-        <p:nvSpPr>
-          <p:cNvPr id="3" name="Titel 2"/>
-          <p:cNvSpPr>
-            <a:spLocks noGrp="1"/>
-          </p:cNvSpPr>
-          <p:nvPr>
-            <p:ph type="title"/>
-          </p:nvPr>
-        </p:nvSpPr>
-        <p:spPr/>
-        <p:txBody>
-          <a:bodyPr/>
-          <a:lstStyle/>
-          <a:p>
-            <a:r>
-              <a:rPr lang="de-DE" dirty="0" err="1"/>
-              <a:t>Ms</a:t>
-            </a:r>
-            <a:r>
-              <a:rPr lang="de-DE" dirty="0"/>
-              <a:t> </a:t>
-            </a:r>
-            <a:r>
-              <a:rPr lang="de-DE" dirty="0" err="1"/>
-              <a:t>Sql</a:t>
-            </a:r>
-            <a:r>
-              <a:rPr lang="de-DE" dirty="0"/>
-              <a:t> – </a:t>
-            </a:r>
-            <a:r>
-              <a:rPr lang="de-DE" dirty="0" smtClean="0"/>
-              <a:t>Ergebnis</a:t>
-            </a:r>
-            <a:endParaRPr lang="de-DE" dirty="0"/>
-          </a:p>
-        </p:txBody>
-      </p:sp>
-      <p:pic>
-        <p:nvPicPr>
-          <p:cNvPr id="5" name="Grafik 4"/>
-          <p:cNvPicPr>
-            <a:picLocks noChangeAspect="1"/>
-          </p:cNvPicPr>
-          <p:nvPr/>
-        </p:nvPicPr>
-        <p:blipFill>
-          <a:blip r:embed="rId2">
-            <a:extLst>
-              <a:ext uri="{28A0092B-C50C-407E-A947-70E740481C1C}">
-                <a14:useLocalDpi xmlns:a14="http://schemas.microsoft.com/office/drawing/2010/main" val="0"/>
-              </a:ext>
-            </a:extLst>
-          </a:blip>
-          <a:stretch>
-            <a:fillRect/>
-          </a:stretch>
-        </p:blipFill>
-        <p:spPr>
-          <a:xfrm>
-            <a:off x="0" y="980728"/>
-            <a:ext cx="9144000" cy="3421225"/>
-          </a:xfrm>
-          <a:prstGeom prst="rect">
-            <a:avLst/>
-          </a:prstGeom>
-        </p:spPr>
-      </p:pic>
-      <p:pic>
-        <p:nvPicPr>
-          <p:cNvPr id="6" name="Grafik 5"/>
-          <p:cNvPicPr>
-            <a:picLocks noChangeAspect="1"/>
-          </p:cNvPicPr>
-          <p:nvPr/>
-        </p:nvPicPr>
-        <p:blipFill>
-          <a:blip r:embed="rId3">
-            <a:extLst>
-              <a:ext uri="{28A0092B-C50C-407E-A947-70E740481C1C}">
-                <a14:useLocalDpi xmlns:a14="http://schemas.microsoft.com/office/drawing/2010/main" val="0"/>
-              </a:ext>
-            </a:extLst>
-          </a:blip>
-          <a:stretch>
-            <a:fillRect/>
-          </a:stretch>
-        </p:blipFill>
-        <p:spPr>
-          <a:xfrm>
-            <a:off x="840798" y="4581128"/>
-            <a:ext cx="2543530" cy="1771897"/>
-          </a:xfrm>
-          <a:prstGeom prst="rect">
-            <a:avLst/>
-          </a:prstGeom>
-        </p:spPr>
-      </p:pic>
-    </p:spTree>
-    <p:extLst>
-      <p:ext uri="{BB962C8B-B14F-4D97-AF65-F5344CB8AC3E}">
-        <p14:creationId xmlns:p14="http://schemas.microsoft.com/office/powerpoint/2010/main" val="2764355500"/>
       </p:ext>
     </p:extLst>
   </p:cSld>
